--- a/material/spatio-temporal-clustering.pptx
+++ b/material/spatio-temporal-clustering.pptx
@@ -5,7 +5,7 @@
     <p:sldMasterId id="2147483648" r:id="rId1"/>
   </p:sldMasterIdLst>
   <p:notesMasterIdLst>
-    <p:notesMasterId r:id="rId32"/>
+    <p:notesMasterId r:id="rId27"/>
   </p:notesMasterIdLst>
   <p:sldIdLst>
     <p:sldId id="386" r:id="rId2"/>
@@ -33,11 +33,6 @@
     <p:sldId id="422" r:id="rId24"/>
     <p:sldId id="395" r:id="rId25"/>
     <p:sldId id="396" r:id="rId26"/>
-    <p:sldId id="420" r:id="rId27"/>
-    <p:sldId id="418" r:id="rId28"/>
-    <p:sldId id="419" r:id="rId29"/>
-    <p:sldId id="400" r:id="rId30"/>
-    <p:sldId id="399" r:id="rId31"/>
   </p:sldIdLst>
   <p:sldSz cx="12192000" cy="6858000"/>
   <p:notesSz cx="7315200" cy="9601200"/>
@@ -315,7 +310,7 @@
               <a:pPr>
                 <a:defRPr/>
               </a:pPr>
-              <a:t>28.06.2020</a:t>
+              <a:t>01.07.2020</a:t>
             </a:fld>
             <a:endParaRPr lang="de-DE"/>
           </a:p>
@@ -2907,7 +2902,7 @@
           <a:graphicData uri="http://schemas.openxmlformats.org/presentationml/2006/ole">
             <mc:AlternateContent xmlns:mc="http://schemas.openxmlformats.org/markup-compatibility/2006">
               <mc:Choice xmlns:v="urn:schemas-microsoft-com:vml" Requires="v">
-                <p:oleObj spid="_x0000_s2053" name="Image" r:id="rId3" imgW="7517160" imgH="2793600" progId="Photoshop.Image.18">
+                <p:oleObj spid="_x0000_s2059" name="Image" r:id="rId3" imgW="7517160" imgH="2793600" progId="Photoshop.Image.18">
                   <p:embed/>
                 </p:oleObj>
               </mc:Choice>
@@ -15071,8 +15066,8 @@
           </a:p>
         </p:txBody>
       </p:sp>
-      <mc:AlternateContent xmlns:mc="http://schemas.openxmlformats.org/markup-compatibility/2006">
-        <mc:Choice xmlns:a14="http://schemas.microsoft.com/office/drawing/2010/main" Requires="a14">
+      <mc:AlternateContent xmlns:mc="http://schemas.openxmlformats.org/markup-compatibility/2006" xmlns:a14="http://schemas.microsoft.com/office/drawing/2010/main">
+        <mc:Choice Requires="a14">
           <p:sp>
             <p:nvSpPr>
               <p:cNvPr id="96" name="Textfeld 95"/>
@@ -15594,7 +15589,7 @@
             </p:txBody>
           </p:sp>
         </mc:Choice>
-        <mc:Fallback>
+        <mc:Fallback xmlns="">
           <p:sp>
             <p:nvSpPr>
               <p:cNvPr id="96" name="Textfeld 95"/>
@@ -18819,142 +18814,6 @@
           </p:sp>
         </mc:Fallback>
       </mc:AlternateContent>
-      <p:sp>
-        <p:nvSpPr>
-          <p:cNvPr id="3" name="Rechteck 2"/>
-          <p:cNvSpPr/>
-          <p:nvPr/>
-        </p:nvSpPr>
-        <p:spPr>
-          <a:xfrm>
-            <a:off x="1055440" y="5595917"/>
-            <a:ext cx="9364928" cy="569387"/>
-          </a:xfrm>
-          <a:prstGeom prst="rect">
-            <a:avLst/>
-          </a:prstGeom>
-        </p:spPr>
-        <p:txBody>
-          <a:bodyPr wrap="square">
-            <a:spAutoFit/>
-          </a:bodyPr>
-          <a:lstStyle/>
-          <a:p>
-            <a:pPr eaLnBrk="1" hangingPunct="1">
-              <a:spcAft>
-                <a:spcPts val="300"/>
-              </a:spcAft>
-            </a:pPr>
-            <a:r>
-              <a:rPr lang="en-US" dirty="0" smtClean="0">
-                <a:solidFill>
-                  <a:srgbClr val="214B7E"/>
-                </a:solidFill>
-                <a:latin typeface="Verdana" panose="020B0604030504040204" pitchFamily="34" charset="0"/>
-              </a:rPr>
-              <a:t>ST-DBSCAN</a:t>
-            </a:r>
-            <a:endParaRPr lang="en-US" dirty="0">
-              <a:solidFill>
-                <a:srgbClr val="214B7E"/>
-              </a:solidFill>
-              <a:latin typeface="Verdana" panose="020B0604030504040204" pitchFamily="34" charset="0"/>
-            </a:endParaRPr>
-          </a:p>
-          <a:p>
-            <a:pPr eaLnBrk="1" hangingPunct="1">
-              <a:spcAft>
-                <a:spcPts val="300"/>
-              </a:spcAft>
-            </a:pPr>
-            <a:r>
-              <a:rPr lang="en-US" sz="1050" dirty="0" smtClean="0"/>
-              <a:t>BIRANT</a:t>
-            </a:r>
-            <a:r>
-              <a:rPr lang="en-US" sz="1050" dirty="0"/>
-              <a:t>, </a:t>
-            </a:r>
-            <a:r>
-              <a:rPr lang="en-US" sz="1050" dirty="0" err="1"/>
-              <a:t>Derya</a:t>
-            </a:r>
-            <a:r>
-              <a:rPr lang="en-US" sz="1050" dirty="0"/>
-              <a:t>; KUT, Alp. ST-DBSCAN: An algorithm for clustering spatial–temporal data. </a:t>
-            </a:r>
-            <a:r>
-              <a:rPr lang="en-US" sz="1050" i="1" dirty="0"/>
-              <a:t>Data &amp; knowledge engineering</a:t>
-            </a:r>
-            <a:r>
-              <a:rPr lang="en-US" sz="1050" dirty="0"/>
-              <a:t>, 2007, 60. Jg., </a:t>
-            </a:r>
-            <a:r>
-              <a:rPr lang="en-US" sz="1050" dirty="0" err="1"/>
-              <a:t>Nr</a:t>
-            </a:r>
-            <a:r>
-              <a:rPr lang="en-US" sz="1050" dirty="0"/>
-              <a:t>. 1, S. 208-221.</a:t>
-            </a:r>
-            <a:endParaRPr lang="en-US" sz="1050" dirty="0">
-              <a:solidFill>
-                <a:srgbClr val="214B7E"/>
-              </a:solidFill>
-            </a:endParaRPr>
-          </a:p>
-        </p:txBody>
-      </p:sp>
-      <p:pic>
-        <p:nvPicPr>
-          <p:cNvPr id="1026" name="Picture 2" descr="Datei:Info Simple bw.svg – Wikipedia"/>
-          <p:cNvPicPr>
-            <a:picLocks noChangeAspect="1" noChangeArrowheads="1"/>
-          </p:cNvPicPr>
-          <p:nvPr/>
-        </p:nvPicPr>
-        <p:blipFill>
-          <a:blip r:embed="rId3" cstate="print">
-            <a:duotone>
-              <a:schemeClr val="accent1">
-                <a:shade val="45000"/>
-                <a:satMod val="135000"/>
-              </a:schemeClr>
-              <a:prstClr val="white"/>
-            </a:duotone>
-            <a:extLst>
-              <a:ext uri="{28A0092B-C50C-407E-A947-70E740481C1C}">
-                <a14:useLocalDpi xmlns:a14="http://schemas.microsoft.com/office/drawing/2010/main" val="0"/>
-              </a:ext>
-            </a:extLst>
-          </a:blip>
-          <a:srcRect/>
-          <a:stretch>
-            <a:fillRect/>
-          </a:stretch>
-        </p:blipFill>
-        <p:spPr bwMode="auto">
-          <a:xfrm>
-            <a:off x="551384" y="5661248"/>
-            <a:ext cx="451114" cy="451114"/>
-          </a:xfrm>
-          <a:prstGeom prst="rect">
-            <a:avLst/>
-          </a:prstGeom>
-          <a:noFill/>
-          <a:extLst>
-            <a:ext uri="{909E8E84-426E-40DD-AFC4-6F175D3DCCD1}">
-              <a14:hiddenFill xmlns:a14="http://schemas.microsoft.com/office/drawing/2010/main">
-                <a:solidFill>
-                  <a:srgbClr val="FFFFFF"/>
-                </a:solidFill>
-              </a14:hiddenFill>
-            </a:ext>
-          </a:extLst>
-        </p:spPr>
-      </p:pic>
     </p:spTree>
     <p:extLst>
       <p:ext uri="{BB962C8B-B14F-4D97-AF65-F5344CB8AC3E}">
@@ -18976,107 +18835,9 @@
   <p:timing>
     <p:tnLst>
       <p:par>
-        <p:cTn id="1" dur="indefinite" restart="never" nodeType="tmRoot">
-          <p:childTnLst>
-            <p:seq concurrent="1" nextAc="seek">
-              <p:cTn id="2" dur="indefinite" nodeType="mainSeq">
-                <p:childTnLst>
-                  <p:par>
-                    <p:cTn id="3" fill="hold">
-                      <p:stCondLst>
-                        <p:cond delay="indefinite"/>
-                      </p:stCondLst>
-                      <p:childTnLst>
-                        <p:par>
-                          <p:cTn id="4" fill="hold">
-                            <p:stCondLst>
-                              <p:cond delay="0"/>
-                            </p:stCondLst>
-                            <p:childTnLst>
-                              <p:par>
-                                <p:cTn id="5" presetID="1" presetClass="entr" presetSubtype="0" fill="hold" nodeType="clickEffect">
-                                  <p:stCondLst>
-                                    <p:cond delay="0"/>
-                                  </p:stCondLst>
-                                  <p:childTnLst>
-                                    <p:set>
-                                      <p:cBhvr>
-                                        <p:cTn id="6" dur="1" fill="hold">
-                                          <p:stCondLst>
-                                            <p:cond delay="0"/>
-                                          </p:stCondLst>
-                                        </p:cTn>
-                                        <p:tgtEl>
-                                          <p:spTgt spid="1026"/>
-                                        </p:tgtEl>
-                                        <p:attrNameLst>
-                                          <p:attrName>style.visibility</p:attrName>
-                                        </p:attrNameLst>
-                                      </p:cBhvr>
-                                      <p:to>
-                                        <p:strVal val="visible"/>
-                                      </p:to>
-                                    </p:set>
-                                  </p:childTnLst>
-                                </p:cTn>
-                              </p:par>
-                              <p:par>
-                                <p:cTn id="7" presetID="1" presetClass="entr" presetSubtype="0" fill="hold" grpId="0" nodeType="withEffect">
-                                  <p:stCondLst>
-                                    <p:cond delay="0"/>
-                                  </p:stCondLst>
-                                  <p:childTnLst>
-                                    <p:set>
-                                      <p:cBhvr>
-                                        <p:cTn id="8" dur="1" fill="hold">
-                                          <p:stCondLst>
-                                            <p:cond delay="0"/>
-                                          </p:stCondLst>
-                                        </p:cTn>
-                                        <p:tgtEl>
-                                          <p:spTgt spid="3"/>
-                                        </p:tgtEl>
-                                        <p:attrNameLst>
-                                          <p:attrName>style.visibility</p:attrName>
-                                        </p:attrNameLst>
-                                      </p:cBhvr>
-                                      <p:to>
-                                        <p:strVal val="visible"/>
-                                      </p:to>
-                                    </p:set>
-                                  </p:childTnLst>
-                                </p:cTn>
-                              </p:par>
-                            </p:childTnLst>
-                          </p:cTn>
-                        </p:par>
-                      </p:childTnLst>
-                    </p:cTn>
-                  </p:par>
-                </p:childTnLst>
-              </p:cTn>
-              <p:prevCondLst>
-                <p:cond evt="onPrev" delay="0">
-                  <p:tgtEl>
-                    <p:sldTgt/>
-                  </p:tgtEl>
-                </p:cond>
-              </p:prevCondLst>
-              <p:nextCondLst>
-                <p:cond evt="onNext" delay="0">
-                  <p:tgtEl>
-                    <p:sldTgt/>
-                  </p:tgtEl>
-                </p:cond>
-              </p:nextCondLst>
-            </p:seq>
-          </p:childTnLst>
-        </p:cTn>
+        <p:cTn id="1" dur="indefinite" restart="never" nodeType="tmRoot"/>
       </p:par>
     </p:tnLst>
-    <p:bldLst>
-      <p:bldP spid="3" grpId="0"/>
-    </p:bldLst>
   </p:timing>
 </p:sld>
 </file>
@@ -20082,1638 +19843,6 @@
 </p:sld>
 </file>
 
-<file path=ppt/slides/slide26.xml><?xml version="1.0" encoding="utf-8"?>
-<p:sld xmlns:a="http://schemas.openxmlformats.org/drawingml/2006/main" xmlns:r="http://schemas.openxmlformats.org/officeDocument/2006/relationships" xmlns:p="http://schemas.openxmlformats.org/presentationml/2006/main">
-  <p:cSld>
-    <p:spTree>
-      <p:nvGrpSpPr>
-        <p:cNvPr id="1" name=""/>
-        <p:cNvGrpSpPr/>
-        <p:nvPr/>
-      </p:nvGrpSpPr>
-      <p:grpSpPr>
-        <a:xfrm>
-          <a:off x="0" y="0"/>
-          <a:ext cx="0" cy="0"/>
-          <a:chOff x="0" y="0"/>
-          <a:chExt cx="0" cy="0"/>
-        </a:xfrm>
-      </p:grpSpPr>
-      <p:sp>
-        <p:nvSpPr>
-          <p:cNvPr id="2" name="Titel 1"/>
-          <p:cNvSpPr>
-            <a:spLocks noGrp="1"/>
-          </p:cNvSpPr>
-          <p:nvPr>
-            <p:ph type="title"/>
-          </p:nvPr>
-        </p:nvSpPr>
-        <p:spPr>
-          <a:xfrm>
-            <a:off x="2711624" y="2276872"/>
-            <a:ext cx="7272808" cy="567835"/>
-          </a:xfrm>
-        </p:spPr>
-        <p:txBody>
-          <a:bodyPr/>
-          <a:lstStyle/>
-          <a:p>
-            <a:r>
-              <a:rPr lang="en-US" dirty="0" smtClean="0"/>
-              <a:t>Stay healthy. Don’t become a cluster!</a:t>
-            </a:r>
-            <a:endParaRPr lang="en-US" dirty="0"/>
-          </a:p>
-        </p:txBody>
-      </p:sp>
-    </p:spTree>
-    <p:extLst>
-      <p:ext uri="{BB962C8B-B14F-4D97-AF65-F5344CB8AC3E}">
-        <p14:creationId xmlns:p14="http://schemas.microsoft.com/office/powerpoint/2010/main" val="1174800691"/>
-      </p:ext>
-    </p:extLst>
-  </p:cSld>
-  <p:clrMapOvr>
-    <a:masterClrMapping/>
-  </p:clrMapOvr>
-  <mc:AlternateContent xmlns:mc="http://schemas.openxmlformats.org/markup-compatibility/2006" xmlns:p14="http://schemas.microsoft.com/office/powerpoint/2010/main">
-    <mc:Choice Requires="p14">
-      <p:transition p14:dur="0"/>
-    </mc:Choice>
-    <mc:Fallback xmlns="">
-      <p:transition/>
-    </mc:Fallback>
-  </mc:AlternateContent>
-  <p:timing>
-    <p:tnLst>
-      <p:par>
-        <p:cTn id="1" dur="indefinite" restart="never" nodeType="tmRoot"/>
-      </p:par>
-    </p:tnLst>
-  </p:timing>
-</p:sld>
-</file>
-
-<file path=ppt/slides/slide27.xml><?xml version="1.0" encoding="utf-8"?>
-<p:sld xmlns:a="http://schemas.openxmlformats.org/drawingml/2006/main" xmlns:r="http://schemas.openxmlformats.org/officeDocument/2006/relationships" xmlns:p="http://schemas.openxmlformats.org/presentationml/2006/main" show="0">
-  <p:cSld>
-    <p:spTree>
-      <p:nvGrpSpPr>
-        <p:cNvPr id="1" name=""/>
-        <p:cNvGrpSpPr/>
-        <p:nvPr/>
-      </p:nvGrpSpPr>
-      <p:grpSpPr>
-        <a:xfrm>
-          <a:off x="0" y="0"/>
-          <a:ext cx="0" cy="0"/>
-          <a:chOff x="0" y="0"/>
-          <a:chExt cx="0" cy="0"/>
-        </a:xfrm>
-      </p:grpSpPr>
-      <p:sp>
-        <p:nvSpPr>
-          <p:cNvPr id="2" name="Titel 1"/>
-          <p:cNvSpPr>
-            <a:spLocks noGrp="1"/>
-          </p:cNvSpPr>
-          <p:nvPr>
-            <p:ph type="title"/>
-          </p:nvPr>
-        </p:nvSpPr>
-        <p:spPr/>
-        <p:txBody>
-          <a:bodyPr/>
-          <a:lstStyle/>
-          <a:p>
-            <a:r>
-              <a:rPr lang="en-US" noProof="0" dirty="0" smtClean="0"/>
-              <a:t>DBSCAN for spatiotemporal data</a:t>
-            </a:r>
-            <a:endParaRPr lang="en-US" noProof="0" dirty="0"/>
-          </a:p>
-        </p:txBody>
-      </p:sp>
-      <p:sp>
-        <p:nvSpPr>
-          <p:cNvPr id="4" name="Rechteck 3"/>
-          <p:cNvSpPr/>
-          <p:nvPr/>
-        </p:nvSpPr>
-        <p:spPr>
-          <a:xfrm>
-            <a:off x="479376" y="1275509"/>
-            <a:ext cx="11593288" cy="2185214"/>
-          </a:xfrm>
-          <a:prstGeom prst="rect">
-            <a:avLst/>
-          </a:prstGeom>
-        </p:spPr>
-        <p:txBody>
-          <a:bodyPr wrap="square">
-            <a:spAutoFit/>
-          </a:bodyPr>
-          <a:lstStyle/>
-          <a:p>
-            <a:pPr marL="342900" indent="-342900" eaLnBrk="1" hangingPunct="1">
-              <a:spcAft>
-                <a:spcPts val="300"/>
-              </a:spcAft>
-              <a:buAutoNum type="arabicParenR"/>
-            </a:pPr>
-            <a:r>
-              <a:rPr lang="en-US" b="1" dirty="0" smtClean="0">
-                <a:solidFill>
-                  <a:srgbClr val="214B7E"/>
-                </a:solidFill>
-                <a:latin typeface="Verdana" panose="020B0604030504040204" pitchFamily="34" charset="0"/>
-              </a:rPr>
-              <a:t>ST-DBSCAN</a:t>
-            </a:r>
-          </a:p>
-          <a:p>
-            <a:pPr marL="342900" indent="-342900" eaLnBrk="1" hangingPunct="1">
-              <a:spcAft>
-                <a:spcPts val="300"/>
-              </a:spcAft>
-              <a:buAutoNum type="arabicParenR"/>
-            </a:pPr>
-            <a:endParaRPr lang="en-US" dirty="0" smtClean="0">
-              <a:solidFill>
-                <a:srgbClr val="214B7E"/>
-              </a:solidFill>
-              <a:latin typeface="Verdana" panose="020B0604030504040204" pitchFamily="34" charset="0"/>
-            </a:endParaRPr>
-          </a:p>
-          <a:p>
-            <a:pPr marL="285750" indent="-285750" eaLnBrk="1" hangingPunct="1">
-              <a:spcAft>
-                <a:spcPts val="300"/>
-              </a:spcAft>
-              <a:buFont typeface="Arial" panose="020B0604020202020204" pitchFamily="34" charset="0"/>
-              <a:buChar char="•"/>
-            </a:pPr>
-            <a:r>
-              <a:rPr lang="en-US" dirty="0" smtClean="0">
-                <a:solidFill>
-                  <a:srgbClr val="214B7E"/>
-                </a:solidFill>
-                <a:latin typeface="Verdana" panose="020B0604030504040204" pitchFamily="34" charset="0"/>
-              </a:rPr>
-              <a:t>Extension of </a:t>
-            </a:r>
-            <a:r>
-              <a:rPr lang="en-US" dirty="0">
-                <a:solidFill>
-                  <a:srgbClr val="214B7E"/>
-                </a:solidFill>
-                <a:latin typeface="Verdana" panose="020B0604030504040204" pitchFamily="34" charset="0"/>
-              </a:rPr>
-              <a:t>DBSCAN, which can handle ST data (or other non-ST variables</a:t>
-            </a:r>
-            <a:r>
-              <a:rPr lang="en-US" dirty="0" smtClean="0">
-                <a:solidFill>
-                  <a:srgbClr val="214B7E"/>
-                </a:solidFill>
-                <a:latin typeface="Verdana" panose="020B0604030504040204" pitchFamily="34" charset="0"/>
-              </a:rPr>
-              <a:t>)</a:t>
-            </a:r>
-          </a:p>
-          <a:p>
-            <a:pPr marL="871880" lvl="1" indent="-285750" eaLnBrk="1" hangingPunct="1">
-              <a:spcAft>
-                <a:spcPts val="300"/>
-              </a:spcAft>
-              <a:buFont typeface="Arial" panose="020B0604020202020204" pitchFamily="34" charset="0"/>
-              <a:buChar char="•"/>
-            </a:pPr>
-            <a:r>
-              <a:rPr lang="en-US" dirty="0" smtClean="0">
-                <a:solidFill>
-                  <a:srgbClr val="214B7E"/>
-                </a:solidFill>
-                <a:latin typeface="Verdana" panose="020B0604030504040204" pitchFamily="34" charset="0"/>
-              </a:rPr>
-              <a:t>requires another distance parameter for the temporal domain (</a:t>
-            </a:r>
-            <a:r>
-              <a:rPr lang="en-US" i="1" dirty="0" smtClean="0">
-                <a:solidFill>
-                  <a:srgbClr val="214B7E"/>
-                </a:solidFill>
-                <a:latin typeface="Verdana" panose="020B0604030504040204" pitchFamily="34" charset="0"/>
-              </a:rPr>
-              <a:t>Eps2</a:t>
-            </a:r>
-            <a:r>
-              <a:rPr lang="en-US" dirty="0" smtClean="0">
-                <a:solidFill>
-                  <a:srgbClr val="214B7E"/>
-                </a:solidFill>
-                <a:latin typeface="Verdana" panose="020B0604030504040204" pitchFamily="34" charset="0"/>
-              </a:rPr>
-              <a:t>), </a:t>
-            </a:r>
-          </a:p>
-          <a:p>
-            <a:pPr marL="871880" lvl="1" indent="-285750" eaLnBrk="1" hangingPunct="1">
-              <a:spcAft>
-                <a:spcPts val="300"/>
-              </a:spcAft>
-              <a:buFont typeface="Arial" panose="020B0604020202020204" pitchFamily="34" charset="0"/>
-              <a:buChar char="•"/>
-            </a:pPr>
-            <a:r>
-              <a:rPr lang="en-US" dirty="0" smtClean="0">
-                <a:solidFill>
-                  <a:srgbClr val="214B7E"/>
-                </a:solidFill>
-                <a:latin typeface="Verdana" panose="020B0604030504040204" pitchFamily="34" charset="0"/>
-              </a:rPr>
-              <a:t>both </a:t>
-            </a:r>
-            <a:r>
-              <a:rPr lang="en-US" i="1" dirty="0" smtClean="0">
-                <a:solidFill>
-                  <a:srgbClr val="214B7E"/>
-                </a:solidFill>
-                <a:latin typeface="Verdana" panose="020B0604030504040204" pitchFamily="34" charset="0"/>
-              </a:rPr>
-              <a:t>Eps1</a:t>
-            </a:r>
-            <a:r>
-              <a:rPr lang="en-US" dirty="0" smtClean="0">
-                <a:solidFill>
-                  <a:srgbClr val="214B7E"/>
-                </a:solidFill>
-                <a:latin typeface="Verdana" panose="020B0604030504040204" pitchFamily="34" charset="0"/>
-              </a:rPr>
-              <a:t> and </a:t>
-            </a:r>
-            <a:r>
-              <a:rPr lang="en-US" i="1" dirty="0" smtClean="0">
-                <a:solidFill>
-                  <a:srgbClr val="214B7E"/>
-                </a:solidFill>
-                <a:latin typeface="Verdana" panose="020B0604030504040204" pitchFamily="34" charset="0"/>
-              </a:rPr>
-              <a:t>Eps2</a:t>
-            </a:r>
-            <a:r>
-              <a:rPr lang="en-US" dirty="0" smtClean="0">
-                <a:solidFill>
-                  <a:srgbClr val="214B7E"/>
-                </a:solidFill>
-                <a:latin typeface="Verdana" panose="020B0604030504040204" pitchFamily="34" charset="0"/>
-              </a:rPr>
-              <a:t> can be derived from </a:t>
-            </a:r>
-            <a:r>
-              <a:rPr lang="en-US" i="1" dirty="0" smtClean="0">
-                <a:solidFill>
-                  <a:srgbClr val="214B7E"/>
-                </a:solidFill>
-                <a:latin typeface="Verdana" panose="020B0604030504040204" pitchFamily="34" charset="0"/>
-              </a:rPr>
-              <a:t>k-</a:t>
-            </a:r>
-            <a:r>
-              <a:rPr lang="en-US" i="1" dirty="0" err="1" smtClean="0">
-                <a:solidFill>
-                  <a:srgbClr val="214B7E"/>
-                </a:solidFill>
-                <a:latin typeface="Verdana" panose="020B0604030504040204" pitchFamily="34" charset="0"/>
-              </a:rPr>
-              <a:t>dist</a:t>
-            </a:r>
-            <a:r>
-              <a:rPr lang="en-US" i="1" dirty="0" smtClean="0">
-                <a:solidFill>
-                  <a:srgbClr val="214B7E"/>
-                </a:solidFill>
-                <a:latin typeface="Verdana" panose="020B0604030504040204" pitchFamily="34" charset="0"/>
-              </a:rPr>
-              <a:t> graphs</a:t>
-            </a:r>
-          </a:p>
-          <a:p>
-            <a:pPr eaLnBrk="1" hangingPunct="1">
-              <a:spcAft>
-                <a:spcPts val="300"/>
-              </a:spcAft>
-            </a:pPr>
-            <a:r>
-              <a:rPr lang="en-US" sz="1050" dirty="0" smtClean="0">
-                <a:latin typeface="+mn-lt"/>
-              </a:rPr>
-              <a:t>BIRANT</a:t>
-            </a:r>
-            <a:r>
-              <a:rPr lang="en-US" sz="1050" dirty="0">
-                <a:latin typeface="+mn-lt"/>
-              </a:rPr>
-              <a:t>, </a:t>
-            </a:r>
-            <a:r>
-              <a:rPr lang="en-US" sz="1050" dirty="0" err="1">
-                <a:latin typeface="+mn-lt"/>
-              </a:rPr>
-              <a:t>Derya</a:t>
-            </a:r>
-            <a:r>
-              <a:rPr lang="en-US" sz="1050" dirty="0">
-                <a:latin typeface="+mn-lt"/>
-              </a:rPr>
-              <a:t>; KUT, Alp. ST-DBSCAN: An algorithm for clustering spatial–temporal data. </a:t>
-            </a:r>
-            <a:r>
-              <a:rPr lang="en-US" sz="1050" i="1" dirty="0">
-                <a:latin typeface="+mn-lt"/>
-              </a:rPr>
-              <a:t>Data &amp; knowledge engineering</a:t>
-            </a:r>
-            <a:r>
-              <a:rPr lang="en-US" sz="1050" dirty="0">
-                <a:latin typeface="+mn-lt"/>
-              </a:rPr>
-              <a:t>, 2007, 60. Jg., </a:t>
-            </a:r>
-            <a:r>
-              <a:rPr lang="en-US" sz="1050" dirty="0" err="1">
-                <a:latin typeface="+mn-lt"/>
-              </a:rPr>
-              <a:t>Nr</a:t>
-            </a:r>
-            <a:r>
-              <a:rPr lang="en-US" sz="1050" dirty="0">
-                <a:latin typeface="+mn-lt"/>
-              </a:rPr>
-              <a:t>. 1, S. 208-221.</a:t>
-            </a:r>
-            <a:endParaRPr lang="en-US" sz="1050" dirty="0">
-              <a:solidFill>
-                <a:srgbClr val="214B7E"/>
-              </a:solidFill>
-              <a:latin typeface="+mn-lt"/>
-            </a:endParaRPr>
-          </a:p>
-          <a:p>
-            <a:pPr eaLnBrk="1" hangingPunct="1">
-              <a:spcAft>
-                <a:spcPts val="300"/>
-              </a:spcAft>
-            </a:pPr>
-            <a:endParaRPr lang="en-US" dirty="0" smtClean="0">
-              <a:solidFill>
-                <a:srgbClr val="214B7E"/>
-              </a:solidFill>
-              <a:latin typeface="Verdana" panose="020B0604030504040204" pitchFamily="34" charset="0"/>
-            </a:endParaRPr>
-          </a:p>
-        </p:txBody>
-      </p:sp>
-    </p:spTree>
-    <p:extLst>
-      <p:ext uri="{BB962C8B-B14F-4D97-AF65-F5344CB8AC3E}">
-        <p14:creationId xmlns:p14="http://schemas.microsoft.com/office/powerpoint/2010/main" val="3432109377"/>
-      </p:ext>
-    </p:extLst>
-  </p:cSld>
-  <p:clrMapOvr>
-    <a:masterClrMapping/>
-  </p:clrMapOvr>
-  <mc:AlternateContent xmlns:mc="http://schemas.openxmlformats.org/markup-compatibility/2006" xmlns:p14="http://schemas.microsoft.com/office/powerpoint/2010/main">
-    <mc:Choice Requires="p14">
-      <p:transition p14:dur="0"/>
-    </mc:Choice>
-    <mc:Fallback xmlns="">
-      <p:transition/>
-    </mc:Fallback>
-  </mc:AlternateContent>
-  <p:timing>
-    <p:tnLst>
-      <p:par>
-        <p:cTn id="1" dur="indefinite" restart="never" nodeType="tmRoot"/>
-      </p:par>
-    </p:tnLst>
-  </p:timing>
-</p:sld>
-</file>
-
-<file path=ppt/slides/slide28.xml><?xml version="1.0" encoding="utf-8"?>
-<p:sld xmlns:a="http://schemas.openxmlformats.org/drawingml/2006/main" xmlns:r="http://schemas.openxmlformats.org/officeDocument/2006/relationships" xmlns:p="http://schemas.openxmlformats.org/presentationml/2006/main" show="0">
-  <p:cSld>
-    <p:spTree>
-      <p:nvGrpSpPr>
-        <p:cNvPr id="1" name=""/>
-        <p:cNvGrpSpPr/>
-        <p:nvPr/>
-      </p:nvGrpSpPr>
-      <p:grpSpPr>
-        <a:xfrm>
-          <a:off x="0" y="0"/>
-          <a:ext cx="0" cy="0"/>
-          <a:chOff x="0" y="0"/>
-          <a:chExt cx="0" cy="0"/>
-        </a:xfrm>
-      </p:grpSpPr>
-      <p:sp>
-        <p:nvSpPr>
-          <p:cNvPr id="2" name="Titel 1"/>
-          <p:cNvSpPr>
-            <a:spLocks noGrp="1"/>
-          </p:cNvSpPr>
-          <p:nvPr>
-            <p:ph type="title"/>
-          </p:nvPr>
-        </p:nvSpPr>
-        <p:spPr/>
-        <p:txBody>
-          <a:bodyPr/>
-          <a:lstStyle/>
-          <a:p>
-            <a:r>
-              <a:rPr lang="en-US" noProof="0" dirty="0" smtClean="0"/>
-              <a:t>DBSCAN for spatiotemporal data</a:t>
-            </a:r>
-            <a:endParaRPr lang="en-US" noProof="0" dirty="0"/>
-          </a:p>
-        </p:txBody>
-      </p:sp>
-      <mc:AlternateContent xmlns:mc="http://schemas.openxmlformats.org/markup-compatibility/2006" xmlns:a14="http://schemas.microsoft.com/office/drawing/2010/main">
-        <mc:Choice Requires="a14">
-          <p:sp>
-            <p:nvSpPr>
-              <p:cNvPr id="4" name="Rechteck 3"/>
-              <p:cNvSpPr/>
-              <p:nvPr/>
-            </p:nvSpPr>
-            <p:spPr>
-              <a:xfrm>
-                <a:off x="479376" y="1275509"/>
-                <a:ext cx="11593288" cy="5234190"/>
-              </a:xfrm>
-              <a:prstGeom prst="rect">
-                <a:avLst/>
-              </a:prstGeom>
-            </p:spPr>
-            <p:txBody>
-              <a:bodyPr wrap="square">
-                <a:spAutoFit/>
-              </a:bodyPr>
-              <a:lstStyle/>
-              <a:p>
-                <a:pPr marL="342900" indent="-342900" eaLnBrk="1" hangingPunct="1">
-                  <a:spcAft>
-                    <a:spcPts val="300"/>
-                  </a:spcAft>
-                  <a:buAutoNum type="arabicParenR"/>
-                </a:pPr>
-                <a:r>
-                  <a:rPr lang="en-US" b="1" dirty="0" smtClean="0">
-                    <a:solidFill>
-                      <a:srgbClr val="214B7E"/>
-                    </a:solidFill>
-                    <a:latin typeface="Verdana" panose="020B0604030504040204" pitchFamily="34" charset="0"/>
-                  </a:rPr>
-                  <a:t>ST-DBSCAN</a:t>
-                </a:r>
-              </a:p>
-              <a:p>
-                <a:pPr marL="342900" indent="-342900" eaLnBrk="1" hangingPunct="1">
-                  <a:spcAft>
-                    <a:spcPts val="300"/>
-                  </a:spcAft>
-                  <a:buAutoNum type="arabicParenR"/>
-                </a:pPr>
-                <a:endParaRPr lang="en-US" dirty="0" smtClean="0">
-                  <a:solidFill>
-                    <a:srgbClr val="214B7E"/>
-                  </a:solidFill>
-                  <a:latin typeface="Verdana" panose="020B0604030504040204" pitchFamily="34" charset="0"/>
-                </a:endParaRPr>
-              </a:p>
-              <a:p>
-                <a:pPr marL="285750" indent="-285750" eaLnBrk="1" hangingPunct="1">
-                  <a:spcAft>
-                    <a:spcPts val="300"/>
-                  </a:spcAft>
-                  <a:buFont typeface="Arial" panose="020B0604020202020204" pitchFamily="34" charset="0"/>
-                  <a:buChar char="•"/>
-                </a:pPr>
-                <a:r>
-                  <a:rPr lang="en-US" dirty="0" smtClean="0">
-                    <a:solidFill>
-                      <a:srgbClr val="214B7E"/>
-                    </a:solidFill>
-                    <a:latin typeface="Verdana" panose="020B0604030504040204" pitchFamily="34" charset="0"/>
-                  </a:rPr>
-                  <a:t>Extension of </a:t>
-                </a:r>
-                <a:r>
-                  <a:rPr lang="en-US" dirty="0">
-                    <a:solidFill>
-                      <a:srgbClr val="214B7E"/>
-                    </a:solidFill>
-                    <a:latin typeface="Verdana" panose="020B0604030504040204" pitchFamily="34" charset="0"/>
-                  </a:rPr>
-                  <a:t>DBSCAN, which can handle ST data (or other non-ST variables</a:t>
-                </a:r>
-                <a:r>
-                  <a:rPr lang="en-US" dirty="0" smtClean="0">
-                    <a:solidFill>
-                      <a:srgbClr val="214B7E"/>
-                    </a:solidFill>
-                    <a:latin typeface="Verdana" panose="020B0604030504040204" pitchFamily="34" charset="0"/>
-                  </a:rPr>
-                  <a:t>)</a:t>
-                </a:r>
-              </a:p>
-              <a:p>
-                <a:pPr marL="871880" lvl="1" indent="-285750" eaLnBrk="1" hangingPunct="1">
-                  <a:spcAft>
-                    <a:spcPts val="300"/>
-                  </a:spcAft>
-                  <a:buFont typeface="Arial" panose="020B0604020202020204" pitchFamily="34" charset="0"/>
-                  <a:buChar char="•"/>
-                </a:pPr>
-                <a:r>
-                  <a:rPr lang="en-US" dirty="0" smtClean="0">
-                    <a:solidFill>
-                      <a:srgbClr val="214B7E"/>
-                    </a:solidFill>
-                    <a:latin typeface="Verdana" panose="020B0604030504040204" pitchFamily="34" charset="0"/>
-                  </a:rPr>
-                  <a:t>requires another distance parameter for the temporal domain (</a:t>
-                </a:r>
-                <a:r>
-                  <a:rPr lang="en-US" i="1" dirty="0" smtClean="0">
-                    <a:solidFill>
-                      <a:srgbClr val="214B7E"/>
-                    </a:solidFill>
-                    <a:latin typeface="Verdana" panose="020B0604030504040204" pitchFamily="34" charset="0"/>
-                  </a:rPr>
-                  <a:t>Eps2</a:t>
-                </a:r>
-                <a:r>
-                  <a:rPr lang="en-US" dirty="0" smtClean="0">
-                    <a:solidFill>
-                      <a:srgbClr val="214B7E"/>
-                    </a:solidFill>
-                    <a:latin typeface="Verdana" panose="020B0604030504040204" pitchFamily="34" charset="0"/>
-                  </a:rPr>
-                  <a:t>), </a:t>
-                </a:r>
-              </a:p>
-              <a:p>
-                <a:pPr marL="871880" lvl="1" indent="-285750" eaLnBrk="1" hangingPunct="1">
-                  <a:spcAft>
-                    <a:spcPts val="300"/>
-                  </a:spcAft>
-                  <a:buFont typeface="Arial" panose="020B0604020202020204" pitchFamily="34" charset="0"/>
-                  <a:buChar char="•"/>
-                </a:pPr>
-                <a:r>
-                  <a:rPr lang="en-US" dirty="0" smtClean="0">
-                    <a:solidFill>
-                      <a:srgbClr val="214B7E"/>
-                    </a:solidFill>
-                    <a:latin typeface="Verdana" panose="020B0604030504040204" pitchFamily="34" charset="0"/>
-                  </a:rPr>
-                  <a:t>both </a:t>
-                </a:r>
-                <a:r>
-                  <a:rPr lang="en-US" i="1" dirty="0" smtClean="0">
-                    <a:solidFill>
-                      <a:srgbClr val="214B7E"/>
-                    </a:solidFill>
-                    <a:latin typeface="Verdana" panose="020B0604030504040204" pitchFamily="34" charset="0"/>
-                  </a:rPr>
-                  <a:t>Eps1</a:t>
-                </a:r>
-                <a:r>
-                  <a:rPr lang="en-US" dirty="0" smtClean="0">
-                    <a:solidFill>
-                      <a:srgbClr val="214B7E"/>
-                    </a:solidFill>
-                    <a:latin typeface="Verdana" panose="020B0604030504040204" pitchFamily="34" charset="0"/>
-                  </a:rPr>
-                  <a:t> and </a:t>
-                </a:r>
-                <a:r>
-                  <a:rPr lang="en-US" i="1" dirty="0" smtClean="0">
-                    <a:solidFill>
-                      <a:srgbClr val="214B7E"/>
-                    </a:solidFill>
-                    <a:latin typeface="Verdana" panose="020B0604030504040204" pitchFamily="34" charset="0"/>
-                  </a:rPr>
-                  <a:t>Eps2</a:t>
-                </a:r>
-                <a:r>
-                  <a:rPr lang="en-US" dirty="0" smtClean="0">
-                    <a:solidFill>
-                      <a:srgbClr val="214B7E"/>
-                    </a:solidFill>
-                    <a:latin typeface="Verdana" panose="020B0604030504040204" pitchFamily="34" charset="0"/>
-                  </a:rPr>
-                  <a:t> can be derived from </a:t>
-                </a:r>
-                <a:r>
-                  <a:rPr lang="en-US" i="1" dirty="0" smtClean="0">
-                    <a:solidFill>
-                      <a:srgbClr val="214B7E"/>
-                    </a:solidFill>
-                    <a:latin typeface="Verdana" panose="020B0604030504040204" pitchFamily="34" charset="0"/>
-                  </a:rPr>
-                  <a:t>k-</a:t>
-                </a:r>
-                <a:r>
-                  <a:rPr lang="en-US" i="1" dirty="0" err="1" smtClean="0">
-                    <a:solidFill>
-                      <a:srgbClr val="214B7E"/>
-                    </a:solidFill>
-                    <a:latin typeface="Verdana" panose="020B0604030504040204" pitchFamily="34" charset="0"/>
-                  </a:rPr>
-                  <a:t>dist</a:t>
-                </a:r>
-                <a:r>
-                  <a:rPr lang="en-US" i="1" dirty="0" smtClean="0">
-                    <a:solidFill>
-                      <a:srgbClr val="214B7E"/>
-                    </a:solidFill>
-                    <a:latin typeface="Verdana" panose="020B0604030504040204" pitchFamily="34" charset="0"/>
-                  </a:rPr>
-                  <a:t> graphs</a:t>
-                </a:r>
-              </a:p>
-              <a:p>
-                <a:pPr eaLnBrk="1" hangingPunct="1">
-                  <a:spcAft>
-                    <a:spcPts val="300"/>
-                  </a:spcAft>
-                </a:pPr>
-                <a:r>
-                  <a:rPr lang="en-US" sz="1050" dirty="0" smtClean="0">
-                    <a:latin typeface="+mn-lt"/>
-                  </a:rPr>
-                  <a:t>BIRANT</a:t>
-                </a:r>
-                <a:r>
-                  <a:rPr lang="en-US" sz="1050" dirty="0">
-                    <a:latin typeface="+mn-lt"/>
-                  </a:rPr>
-                  <a:t>, </a:t>
-                </a:r>
-                <a:r>
-                  <a:rPr lang="en-US" sz="1050" dirty="0" err="1">
-                    <a:latin typeface="+mn-lt"/>
-                  </a:rPr>
-                  <a:t>Derya</a:t>
-                </a:r>
-                <a:r>
-                  <a:rPr lang="en-US" sz="1050" dirty="0">
-                    <a:latin typeface="+mn-lt"/>
-                  </a:rPr>
-                  <a:t>; KUT, Alp. ST-DBSCAN: An algorithm for clustering spatial–temporal data. </a:t>
-                </a:r>
-                <a:r>
-                  <a:rPr lang="en-US" sz="1050" i="1" dirty="0">
-                    <a:latin typeface="+mn-lt"/>
-                  </a:rPr>
-                  <a:t>Data &amp; knowledge engineering</a:t>
-                </a:r>
-                <a:r>
-                  <a:rPr lang="en-US" sz="1050" dirty="0">
-                    <a:latin typeface="+mn-lt"/>
-                  </a:rPr>
-                  <a:t>, 2007, 60. Jg., </a:t>
-                </a:r>
-                <a:r>
-                  <a:rPr lang="en-US" sz="1050" dirty="0" err="1">
-                    <a:latin typeface="+mn-lt"/>
-                  </a:rPr>
-                  <a:t>Nr</a:t>
-                </a:r>
-                <a:r>
-                  <a:rPr lang="en-US" sz="1050" dirty="0">
-                    <a:latin typeface="+mn-lt"/>
-                  </a:rPr>
-                  <a:t>. 1, S. 208-221.</a:t>
-                </a:r>
-                <a:endParaRPr lang="en-US" sz="1050" dirty="0">
-                  <a:solidFill>
-                    <a:srgbClr val="214B7E"/>
-                  </a:solidFill>
-                  <a:latin typeface="+mn-lt"/>
-                </a:endParaRPr>
-              </a:p>
-              <a:p>
-                <a:pPr eaLnBrk="1" hangingPunct="1">
-                  <a:spcAft>
-                    <a:spcPts val="300"/>
-                  </a:spcAft>
-                </a:pPr>
-                <a:endParaRPr lang="en-US" dirty="0" smtClean="0">
-                  <a:solidFill>
-                    <a:srgbClr val="214B7E"/>
-                  </a:solidFill>
-                  <a:latin typeface="Verdana" panose="020B0604030504040204" pitchFamily="34" charset="0"/>
-                </a:endParaRPr>
-              </a:p>
-              <a:p>
-                <a:pPr eaLnBrk="1" hangingPunct="1">
-                  <a:spcAft>
-                    <a:spcPts val="300"/>
-                  </a:spcAft>
-                </a:pPr>
-                <a:endParaRPr lang="en-US" dirty="0" smtClean="0">
-                  <a:solidFill>
-                    <a:srgbClr val="214B7E"/>
-                  </a:solidFill>
-                  <a:latin typeface="Verdana" panose="020B0604030504040204" pitchFamily="34" charset="0"/>
-                </a:endParaRPr>
-              </a:p>
-              <a:p>
-                <a:pPr eaLnBrk="1" hangingPunct="1">
-                  <a:spcAft>
-                    <a:spcPts val="300"/>
-                  </a:spcAft>
-                </a:pPr>
-                <a:r>
-                  <a:rPr lang="en-US" b="1" dirty="0" smtClean="0">
-                    <a:solidFill>
-                      <a:srgbClr val="214B7E"/>
-                    </a:solidFill>
-                    <a:latin typeface="Verdana" panose="020B0604030504040204" pitchFamily="34" charset="0"/>
-                  </a:rPr>
-                  <a:t>2) Classical DBSCAN</a:t>
-                </a:r>
-                <a:endParaRPr lang="en-US" b="1" dirty="0">
-                  <a:solidFill>
-                    <a:srgbClr val="214B7E"/>
-                  </a:solidFill>
-                  <a:latin typeface="Verdana" panose="020B0604030504040204" pitchFamily="34" charset="0"/>
-                </a:endParaRPr>
-              </a:p>
-              <a:p>
-                <a:pPr eaLnBrk="1" hangingPunct="1">
-                  <a:spcAft>
-                    <a:spcPts val="300"/>
-                  </a:spcAft>
-                </a:pPr>
-                <a:endParaRPr lang="en-US" dirty="0" smtClean="0">
-                  <a:solidFill>
-                    <a:srgbClr val="214B7E"/>
-                  </a:solidFill>
-                  <a:latin typeface="Verdana" panose="020B0604030504040204" pitchFamily="34" charset="0"/>
-                </a:endParaRPr>
-              </a:p>
-              <a:p>
-                <a:pPr marL="285750" indent="-285750" eaLnBrk="1" hangingPunct="1">
-                  <a:spcAft>
-                    <a:spcPts val="300"/>
-                  </a:spcAft>
-                  <a:buFont typeface="Arial" panose="020B0604020202020204" pitchFamily="34" charset="0"/>
-                  <a:buChar char="•"/>
-                </a:pPr>
-                <a:r>
-                  <a:rPr lang="en-US" dirty="0">
-                    <a:solidFill>
-                      <a:srgbClr val="214B7E"/>
-                    </a:solidFill>
-                    <a:latin typeface="Verdana" panose="020B0604030504040204" pitchFamily="34" charset="0"/>
-                  </a:rPr>
-                  <a:t>Can be applied to 2D, 3D or any Euclidean high dimensional feature space</a:t>
-                </a:r>
-              </a:p>
-              <a:p>
-                <a:pPr marL="871880" lvl="1" indent="-285750" eaLnBrk="1" hangingPunct="1">
-                  <a:spcAft>
-                    <a:spcPts val="300"/>
-                  </a:spcAft>
-                  <a:buFont typeface="Arial" panose="020B0604020202020204" pitchFamily="34" charset="0"/>
-                  <a:buChar char="•"/>
-                </a:pPr>
-                <a:r>
-                  <a:rPr lang="en-US" dirty="0" smtClean="0">
-                    <a:solidFill>
-                      <a:srgbClr val="214B7E"/>
-                    </a:solidFill>
-                    <a:latin typeface="Verdana" panose="020B0604030504040204" pitchFamily="34" charset="0"/>
-                  </a:rPr>
-                  <a:t>Temporal </a:t>
-                </a:r>
-                <a:r>
-                  <a:rPr lang="en-US" dirty="0">
-                    <a:solidFill>
-                      <a:srgbClr val="214B7E"/>
-                    </a:solidFill>
-                    <a:latin typeface="Verdana" panose="020B0604030504040204" pitchFamily="34" charset="0"/>
-                  </a:rPr>
-                  <a:t>dimension </a:t>
-                </a:r>
-                <a:r>
-                  <a:rPr lang="en-US" dirty="0" smtClean="0">
-                    <a:solidFill>
-                      <a:srgbClr val="214B7E"/>
-                    </a:solidFill>
-                    <a:latin typeface="Verdana" panose="020B0604030504040204" pitchFamily="34" charset="0"/>
-                  </a:rPr>
-                  <a:t>is </a:t>
-                </a:r>
-                <a:r>
-                  <a:rPr lang="en-US" dirty="0">
-                    <a:solidFill>
-                      <a:srgbClr val="214B7E"/>
-                    </a:solidFill>
-                    <a:latin typeface="Verdana" panose="020B0604030504040204" pitchFamily="34" charset="0"/>
-                  </a:rPr>
-                  <a:t>simply an additional </a:t>
-                </a:r>
-                <a:r>
-                  <a:rPr lang="en-US" dirty="0" smtClean="0">
-                    <a:solidFill>
-                      <a:srgbClr val="214B7E"/>
-                    </a:solidFill>
-                    <a:latin typeface="Verdana" panose="020B0604030504040204" pitchFamily="34" charset="0"/>
-                  </a:rPr>
-                  <a:t>dimension: </a:t>
-                </a:r>
-              </a:p>
-              <a:p>
-                <a:pPr eaLnBrk="1" hangingPunct="1">
-                  <a:spcAft>
-                    <a:spcPts val="300"/>
-                  </a:spcAft>
-                </a:pPr>
-                <a14:m>
-                  <m:oMathPara xmlns:m="http://schemas.openxmlformats.org/officeDocument/2006/math">
-                    <m:oMathParaPr>
-                      <m:jc m:val="centerGroup"/>
-                    </m:oMathParaPr>
-                    <m:oMath xmlns:m="http://schemas.openxmlformats.org/officeDocument/2006/math">
-                      <m:r>
-                        <a:rPr lang="de-DE" i="1">
-                          <a:solidFill>
-                            <a:srgbClr val="214B7E"/>
-                          </a:solidFill>
-                          <a:latin typeface="Cambria Math" panose="02040503050406030204" pitchFamily="18" charset="0"/>
-                        </a:rPr>
-                        <m:t>𝑑𝑖𝑠𝑡</m:t>
-                      </m:r>
-                      <m:d>
-                        <m:dPr>
-                          <m:ctrlPr>
-                            <a:rPr lang="de-DE" i="1">
-                              <a:solidFill>
-                                <a:srgbClr val="214B7E"/>
-                              </a:solidFill>
-                              <a:latin typeface="Cambria Math" panose="02040503050406030204" pitchFamily="18" charset="0"/>
-                            </a:rPr>
-                          </m:ctrlPr>
-                        </m:dPr>
-                        <m:e>
-                          <m:r>
-                            <a:rPr lang="de-DE" i="1">
-                              <a:solidFill>
-                                <a:srgbClr val="214B7E"/>
-                              </a:solidFill>
-                              <a:latin typeface="Cambria Math" panose="02040503050406030204" pitchFamily="18" charset="0"/>
-                            </a:rPr>
-                            <m:t>𝑝</m:t>
-                          </m:r>
-                          <m:r>
-                            <a:rPr lang="de-DE" i="1">
-                              <a:solidFill>
-                                <a:srgbClr val="214B7E"/>
-                              </a:solidFill>
-                              <a:latin typeface="Cambria Math" panose="02040503050406030204" pitchFamily="18" charset="0"/>
-                            </a:rPr>
-                            <m:t>,</m:t>
-                          </m:r>
-                          <m:r>
-                            <a:rPr lang="de-DE" i="1">
-                              <a:solidFill>
-                                <a:srgbClr val="214B7E"/>
-                              </a:solidFill>
-                              <a:latin typeface="Cambria Math" panose="02040503050406030204" pitchFamily="18" charset="0"/>
-                            </a:rPr>
-                            <m:t>𝑞</m:t>
-                          </m:r>
-                        </m:e>
-                      </m:d>
-                      <m:r>
-                        <a:rPr lang="de-DE">
-                          <a:solidFill>
-                            <a:srgbClr val="214B7E"/>
-                          </a:solidFill>
-                          <a:latin typeface="Cambria Math" panose="02040503050406030204" pitchFamily="18" charset="0"/>
-                        </a:rPr>
-                        <m:t>=</m:t>
-                      </m:r>
-                      <m:rad>
-                        <m:radPr>
-                          <m:degHide m:val="on"/>
-                          <m:ctrlPr>
-                            <a:rPr lang="de-DE" i="1">
-                              <a:solidFill>
-                                <a:srgbClr val="214B7E"/>
-                              </a:solidFill>
-                              <a:latin typeface="Cambria Math" panose="02040503050406030204" pitchFamily="18" charset="0"/>
-                            </a:rPr>
-                          </m:ctrlPr>
-                        </m:radPr>
-                        <m:deg/>
-                        <m:e>
-                          <m:sSup>
-                            <m:sSupPr>
-                              <m:ctrlPr>
-                                <a:rPr lang="de-DE" i="1">
-                                  <a:solidFill>
-                                    <a:srgbClr val="214B7E"/>
-                                  </a:solidFill>
-                                  <a:latin typeface="Cambria Math" panose="02040503050406030204" pitchFamily="18" charset="0"/>
-                                </a:rPr>
-                              </m:ctrlPr>
-                            </m:sSupPr>
-                            <m:e>
-                              <m:d>
-                                <m:dPr>
-                                  <m:ctrlPr>
-                                    <a:rPr lang="de-DE" i="1">
-                                      <a:solidFill>
-                                        <a:srgbClr val="214B7E"/>
-                                      </a:solidFill>
-                                      <a:latin typeface="Cambria Math" panose="02040503050406030204" pitchFamily="18" charset="0"/>
-                                    </a:rPr>
-                                  </m:ctrlPr>
-                                </m:dPr>
-                                <m:e>
-                                  <m:sSub>
-                                    <m:sSubPr>
-                                      <m:ctrlPr>
-                                        <a:rPr lang="de-DE" i="1">
-                                          <a:solidFill>
-                                            <a:srgbClr val="214B7E"/>
-                                          </a:solidFill>
-                                          <a:latin typeface="Cambria Math" panose="02040503050406030204" pitchFamily="18" charset="0"/>
-                                        </a:rPr>
-                                      </m:ctrlPr>
-                                    </m:sSubPr>
-                                    <m:e>
-                                      <m:r>
-                                        <a:rPr lang="de-DE" i="1">
-                                          <a:solidFill>
-                                            <a:srgbClr val="214B7E"/>
-                                          </a:solidFill>
-                                          <a:latin typeface="Cambria Math" panose="02040503050406030204" pitchFamily="18" charset="0"/>
-                                        </a:rPr>
-                                        <m:t>𝑥</m:t>
-                                      </m:r>
-                                    </m:e>
-                                    <m:sub>
-                                      <m:r>
-                                        <a:rPr lang="de-DE" i="1">
-                                          <a:solidFill>
-                                            <a:srgbClr val="214B7E"/>
-                                          </a:solidFill>
-                                          <a:latin typeface="Cambria Math" panose="02040503050406030204" pitchFamily="18" charset="0"/>
-                                        </a:rPr>
-                                        <m:t>𝑝</m:t>
-                                      </m:r>
-                                    </m:sub>
-                                  </m:sSub>
-                                  <m:r>
-                                    <a:rPr lang="de-DE" i="1">
-                                      <a:solidFill>
-                                        <a:srgbClr val="214B7E"/>
-                                      </a:solidFill>
-                                      <a:latin typeface="Cambria Math" panose="02040503050406030204" pitchFamily="18" charset="0"/>
-                                    </a:rPr>
-                                    <m:t>−</m:t>
-                                  </m:r>
-                                  <m:sSub>
-                                    <m:sSubPr>
-                                      <m:ctrlPr>
-                                        <a:rPr lang="de-DE" i="1">
-                                          <a:solidFill>
-                                            <a:srgbClr val="214B7E"/>
-                                          </a:solidFill>
-                                          <a:latin typeface="Cambria Math" panose="02040503050406030204" pitchFamily="18" charset="0"/>
-                                        </a:rPr>
-                                      </m:ctrlPr>
-                                    </m:sSubPr>
-                                    <m:e>
-                                      <m:r>
-                                        <a:rPr lang="de-DE" i="1">
-                                          <a:solidFill>
-                                            <a:srgbClr val="214B7E"/>
-                                          </a:solidFill>
-                                          <a:latin typeface="Cambria Math" panose="02040503050406030204" pitchFamily="18" charset="0"/>
-                                        </a:rPr>
-                                        <m:t>𝑥</m:t>
-                                      </m:r>
-                                    </m:e>
-                                    <m:sub>
-                                      <m:r>
-                                        <a:rPr lang="de-DE" i="1">
-                                          <a:solidFill>
-                                            <a:srgbClr val="214B7E"/>
-                                          </a:solidFill>
-                                          <a:latin typeface="Cambria Math" panose="02040503050406030204" pitchFamily="18" charset="0"/>
-                                        </a:rPr>
-                                        <m:t>𝑞</m:t>
-                                      </m:r>
-                                    </m:sub>
-                                  </m:sSub>
-                                </m:e>
-                              </m:d>
-                            </m:e>
-                            <m:sup>
-                              <m:r>
-                                <a:rPr lang="de-DE" i="1">
-                                  <a:solidFill>
-                                    <a:srgbClr val="214B7E"/>
-                                  </a:solidFill>
-                                  <a:latin typeface="Cambria Math" panose="02040503050406030204" pitchFamily="18" charset="0"/>
-                                </a:rPr>
-                                <m:t>2</m:t>
-                              </m:r>
-                            </m:sup>
-                          </m:sSup>
-                          <m:r>
-                            <a:rPr lang="de-DE" i="1">
-                              <a:solidFill>
-                                <a:srgbClr val="214B7E"/>
-                              </a:solidFill>
-                              <a:latin typeface="Cambria Math" panose="02040503050406030204" pitchFamily="18" charset="0"/>
-                            </a:rPr>
-                            <m:t>+</m:t>
-                          </m:r>
-                          <m:sSup>
-                            <m:sSupPr>
-                              <m:ctrlPr>
-                                <a:rPr lang="de-DE" i="1">
-                                  <a:solidFill>
-                                    <a:srgbClr val="214B7E"/>
-                                  </a:solidFill>
-                                  <a:latin typeface="Cambria Math" panose="02040503050406030204" pitchFamily="18" charset="0"/>
-                                </a:rPr>
-                              </m:ctrlPr>
-                            </m:sSupPr>
-                            <m:e>
-                              <m:d>
-                                <m:dPr>
-                                  <m:ctrlPr>
-                                    <a:rPr lang="de-DE" i="1">
-                                      <a:solidFill>
-                                        <a:srgbClr val="214B7E"/>
-                                      </a:solidFill>
-                                      <a:latin typeface="Cambria Math" panose="02040503050406030204" pitchFamily="18" charset="0"/>
-                                    </a:rPr>
-                                  </m:ctrlPr>
-                                </m:dPr>
-                                <m:e>
-                                  <m:sSub>
-                                    <m:sSubPr>
-                                      <m:ctrlPr>
-                                        <a:rPr lang="de-DE" i="1">
-                                          <a:solidFill>
-                                            <a:srgbClr val="214B7E"/>
-                                          </a:solidFill>
-                                          <a:latin typeface="Cambria Math" panose="02040503050406030204" pitchFamily="18" charset="0"/>
-                                        </a:rPr>
-                                      </m:ctrlPr>
-                                    </m:sSubPr>
-                                    <m:e>
-                                      <m:r>
-                                        <a:rPr lang="de-DE" i="1">
-                                          <a:solidFill>
-                                            <a:srgbClr val="214B7E"/>
-                                          </a:solidFill>
-                                          <a:latin typeface="Cambria Math" panose="02040503050406030204" pitchFamily="18" charset="0"/>
-                                        </a:rPr>
-                                        <m:t>𝑦</m:t>
-                                      </m:r>
-                                    </m:e>
-                                    <m:sub>
-                                      <m:r>
-                                        <a:rPr lang="de-DE" i="1">
-                                          <a:solidFill>
-                                            <a:srgbClr val="214B7E"/>
-                                          </a:solidFill>
-                                          <a:latin typeface="Cambria Math" panose="02040503050406030204" pitchFamily="18" charset="0"/>
-                                        </a:rPr>
-                                        <m:t>𝑝</m:t>
-                                      </m:r>
-                                    </m:sub>
-                                  </m:sSub>
-                                  <m:r>
-                                    <a:rPr lang="de-DE" i="1">
-                                      <a:solidFill>
-                                        <a:srgbClr val="214B7E"/>
-                                      </a:solidFill>
-                                      <a:latin typeface="Cambria Math" panose="02040503050406030204" pitchFamily="18" charset="0"/>
-                                    </a:rPr>
-                                    <m:t>−</m:t>
-                                  </m:r>
-                                  <m:sSub>
-                                    <m:sSubPr>
-                                      <m:ctrlPr>
-                                        <a:rPr lang="de-DE" i="1">
-                                          <a:solidFill>
-                                            <a:srgbClr val="214B7E"/>
-                                          </a:solidFill>
-                                          <a:latin typeface="Cambria Math" panose="02040503050406030204" pitchFamily="18" charset="0"/>
-                                        </a:rPr>
-                                      </m:ctrlPr>
-                                    </m:sSubPr>
-                                    <m:e>
-                                      <m:r>
-                                        <a:rPr lang="de-DE" i="1">
-                                          <a:solidFill>
-                                            <a:srgbClr val="214B7E"/>
-                                          </a:solidFill>
-                                          <a:latin typeface="Cambria Math" panose="02040503050406030204" pitchFamily="18" charset="0"/>
-                                        </a:rPr>
-                                        <m:t>𝑦</m:t>
-                                      </m:r>
-                                    </m:e>
-                                    <m:sub>
-                                      <m:r>
-                                        <a:rPr lang="de-DE" i="1">
-                                          <a:solidFill>
-                                            <a:srgbClr val="214B7E"/>
-                                          </a:solidFill>
-                                          <a:latin typeface="Cambria Math" panose="02040503050406030204" pitchFamily="18" charset="0"/>
-                                        </a:rPr>
-                                        <m:t>𝑞</m:t>
-                                      </m:r>
-                                    </m:sub>
-                                  </m:sSub>
-                                </m:e>
-                              </m:d>
-                            </m:e>
-                            <m:sup>
-                              <m:r>
-                                <a:rPr lang="de-DE" i="1">
-                                  <a:solidFill>
-                                    <a:srgbClr val="214B7E"/>
-                                  </a:solidFill>
-                                  <a:latin typeface="Cambria Math" panose="02040503050406030204" pitchFamily="18" charset="0"/>
-                                </a:rPr>
-                                <m:t>2</m:t>
-                              </m:r>
-                            </m:sup>
-                          </m:sSup>
-                          <m:r>
-                            <a:rPr lang="de-DE" b="0" i="1" smtClean="0">
-                              <a:solidFill>
-                                <a:srgbClr val="214B7E"/>
-                              </a:solidFill>
-                              <a:latin typeface="Cambria Math" panose="02040503050406030204" pitchFamily="18" charset="0"/>
-                            </a:rPr>
-                            <m:t>+</m:t>
-                          </m:r>
-                          <m:r>
-                            <a:rPr lang="de-DE" i="1">
-                              <a:solidFill>
-                                <a:srgbClr val="214B7E"/>
-                              </a:solidFill>
-                              <a:latin typeface="Cambria Math" panose="02040503050406030204" pitchFamily="18" charset="0"/>
-                            </a:rPr>
-                            <m:t>(</m:t>
-                          </m:r>
-                          <m:sSub>
-                            <m:sSubPr>
-                              <m:ctrlPr>
-                                <a:rPr lang="de-DE" i="1">
-                                  <a:solidFill>
-                                    <a:srgbClr val="214B7E"/>
-                                  </a:solidFill>
-                                  <a:latin typeface="Cambria Math" panose="02040503050406030204" pitchFamily="18" charset="0"/>
-                                </a:rPr>
-                              </m:ctrlPr>
-                            </m:sSubPr>
-                            <m:e>
-                              <m:r>
-                                <a:rPr lang="de-DE" b="0" i="1" smtClean="0">
-                                  <a:solidFill>
-                                    <a:srgbClr val="214B7E"/>
-                                  </a:solidFill>
-                                  <a:latin typeface="Cambria Math" panose="02040503050406030204" pitchFamily="18" charset="0"/>
-                                </a:rPr>
-                                <m:t>𝑡</m:t>
-                              </m:r>
-                            </m:e>
-                            <m:sub>
-                              <m:r>
-                                <a:rPr lang="de-DE" i="1">
-                                  <a:solidFill>
-                                    <a:srgbClr val="214B7E"/>
-                                  </a:solidFill>
-                                  <a:latin typeface="Cambria Math" panose="02040503050406030204" pitchFamily="18" charset="0"/>
-                                </a:rPr>
-                                <m:t>𝑝</m:t>
-                              </m:r>
-                            </m:sub>
-                          </m:sSub>
-                          <m:r>
-                            <a:rPr lang="de-DE" i="1">
-                              <a:solidFill>
-                                <a:srgbClr val="214B7E"/>
-                              </a:solidFill>
-                              <a:latin typeface="Cambria Math" panose="02040503050406030204" pitchFamily="18" charset="0"/>
-                            </a:rPr>
-                            <m:t>−</m:t>
-                          </m:r>
-                          <m:sSub>
-                            <m:sSubPr>
-                              <m:ctrlPr>
-                                <a:rPr lang="de-DE" i="1" smtClean="0">
-                                  <a:solidFill>
-                                    <a:srgbClr val="214B7E"/>
-                                  </a:solidFill>
-                                  <a:latin typeface="Cambria Math" panose="02040503050406030204" pitchFamily="18" charset="0"/>
-                                </a:rPr>
-                              </m:ctrlPr>
-                            </m:sSubPr>
-                            <m:e>
-                              <m:r>
-                                <a:rPr lang="de-DE" b="0" i="1" smtClean="0">
-                                  <a:solidFill>
-                                    <a:srgbClr val="214B7E"/>
-                                  </a:solidFill>
-                                  <a:latin typeface="Cambria Math" panose="02040503050406030204" pitchFamily="18" charset="0"/>
-                                </a:rPr>
-                                <m:t>𝑡</m:t>
-                              </m:r>
-                            </m:e>
-                            <m:sub>
-                              <m:r>
-                                <a:rPr lang="de-DE" i="1">
-                                  <a:solidFill>
-                                    <a:srgbClr val="214B7E"/>
-                                  </a:solidFill>
-                                  <a:latin typeface="Cambria Math" panose="02040503050406030204" pitchFamily="18" charset="0"/>
-                                </a:rPr>
-                                <m:t>𝑞</m:t>
-                              </m:r>
-                            </m:sub>
-                          </m:sSub>
-                          <m:r>
-                            <a:rPr lang="de-DE" i="1">
-                              <a:solidFill>
-                                <a:srgbClr val="214B7E"/>
-                              </a:solidFill>
-                              <a:latin typeface="Cambria Math" panose="02040503050406030204" pitchFamily="18" charset="0"/>
-                            </a:rPr>
-                            <m:t>)²</m:t>
-                          </m:r>
-                        </m:e>
-                      </m:rad>
-                    </m:oMath>
-                  </m:oMathPara>
-                </a14:m>
-                <a:endParaRPr lang="en-US" dirty="0">
-                  <a:solidFill>
-                    <a:srgbClr val="214B7E"/>
-                  </a:solidFill>
-                  <a:latin typeface="Verdana" panose="020B0604030504040204" pitchFamily="34" charset="0"/>
-                </a:endParaRPr>
-              </a:p>
-              <a:p>
-                <a:pPr eaLnBrk="1" hangingPunct="1">
-                  <a:spcAft>
-                    <a:spcPts val="300"/>
-                  </a:spcAft>
-                </a:pPr>
-                <a:r>
-                  <a:rPr lang="en-US" dirty="0">
-                    <a:solidFill>
-                      <a:srgbClr val="214B7E"/>
-                    </a:solidFill>
-                    <a:latin typeface="Verdana" panose="020B0604030504040204" pitchFamily="34" charset="0"/>
-                  </a:rPr>
-                  <a:t/>
-                </a:r>
-                <a:br>
-                  <a:rPr lang="en-US" dirty="0">
-                    <a:solidFill>
-                      <a:srgbClr val="214B7E"/>
-                    </a:solidFill>
-                    <a:latin typeface="Verdana" panose="020B0604030504040204" pitchFamily="34" charset="0"/>
-                  </a:rPr>
-                </a:br>
-                <a:r>
-                  <a:rPr lang="en-US" dirty="0" smtClean="0">
-                    <a:solidFill>
-                      <a:srgbClr val="214B7E"/>
-                    </a:solidFill>
-                    <a:latin typeface="Verdana" panose="020B0604030504040204" pitchFamily="34" charset="0"/>
-                  </a:rPr>
-                  <a:t>       </a:t>
-                </a:r>
-                <a:r>
-                  <a:rPr lang="en-US" dirty="0" smtClean="0">
-                    <a:solidFill>
-                      <a:srgbClr val="214B7E"/>
-                    </a:solidFill>
-                    <a:latin typeface="Verdana" panose="020B0604030504040204" pitchFamily="34" charset="0"/>
-                    <a:sym typeface="Wingdings" panose="05000000000000000000" pitchFamily="2" charset="2"/>
-                  </a:rPr>
-                  <a:t> </a:t>
-                </a:r>
-                <a:r>
-                  <a:rPr lang="en-US" b="1" dirty="0" smtClean="0">
-                    <a:solidFill>
-                      <a:srgbClr val="FF0000"/>
-                    </a:solidFill>
-                    <a:latin typeface="Verdana" panose="020B0604030504040204" pitchFamily="34" charset="0"/>
-                    <a:sym typeface="Wingdings" panose="05000000000000000000" pitchFamily="2" charset="2"/>
-                  </a:rPr>
-                  <a:t>some </a:t>
-                </a:r>
-                <a:r>
-                  <a:rPr lang="en-US" b="1" dirty="0">
-                    <a:solidFill>
-                      <a:srgbClr val="FF0000"/>
-                    </a:solidFill>
-                    <a:latin typeface="Verdana" panose="020B0604030504040204" pitchFamily="34" charset="0"/>
-                    <a:sym typeface="Wingdings" panose="05000000000000000000" pitchFamily="2" charset="2"/>
-                  </a:rPr>
-                  <a:t>sort of scaling might be </a:t>
-                </a:r>
-                <a:r>
-                  <a:rPr lang="en-US" b="1" dirty="0" smtClean="0">
-                    <a:solidFill>
-                      <a:srgbClr val="FF0000"/>
-                    </a:solidFill>
-                    <a:latin typeface="Verdana" panose="020B0604030504040204" pitchFamily="34" charset="0"/>
-                    <a:sym typeface="Wingdings" panose="05000000000000000000" pitchFamily="2" charset="2"/>
-                  </a:rPr>
-                  <a:t>required to use the same </a:t>
-                </a:r>
-                <a:r>
-                  <a:rPr lang="en-US" b="1" i="1" dirty="0" smtClean="0">
-                    <a:solidFill>
-                      <a:srgbClr val="FF0000"/>
-                    </a:solidFill>
-                    <a:latin typeface="Verdana" panose="020B0604030504040204" pitchFamily="34" charset="0"/>
-                    <a:sym typeface="Wingdings" panose="05000000000000000000" pitchFamily="2" charset="2"/>
-                  </a:rPr>
-                  <a:t>Eps</a:t>
-                </a:r>
-                <a:r>
-                  <a:rPr lang="en-US" b="1" dirty="0" smtClean="0">
-                    <a:solidFill>
-                      <a:srgbClr val="FF0000"/>
-                    </a:solidFill>
-                    <a:latin typeface="Verdana" panose="020B0604030504040204" pitchFamily="34" charset="0"/>
-                    <a:sym typeface="Wingdings" panose="05000000000000000000" pitchFamily="2" charset="2"/>
-                  </a:rPr>
-                  <a:t> for space AND time</a:t>
-                </a:r>
-              </a:p>
-              <a:p>
-                <a:pPr eaLnBrk="1" hangingPunct="1">
-                  <a:spcAft>
-                    <a:spcPts val="300"/>
-                  </a:spcAft>
-                </a:pPr>
-                <a:r>
-                  <a:rPr lang="en-US" dirty="0" smtClean="0">
-                    <a:solidFill>
-                      <a:srgbClr val="214B7E"/>
-                    </a:solidFill>
-                    <a:latin typeface="Verdana" panose="020B0604030504040204" pitchFamily="34" charset="0"/>
-                  </a:rPr>
-                  <a:t>       </a:t>
-                </a:r>
-                <a:r>
-                  <a:rPr lang="en-US" dirty="0">
-                    <a:solidFill>
-                      <a:srgbClr val="214B7E"/>
-                    </a:solidFill>
-                    <a:latin typeface="Verdana" panose="020B0604030504040204" pitchFamily="34" charset="0"/>
-                    <a:sym typeface="Wingdings" panose="05000000000000000000" pitchFamily="2" charset="2"/>
-                  </a:rPr>
-                  <a:t> </a:t>
-                </a:r>
-                <a:r>
-                  <a:rPr lang="en-US" b="1" dirty="0" err="1" smtClean="0">
-                    <a:solidFill>
-                      <a:schemeClr val="accent3">
-                        <a:lumMod val="50000"/>
-                      </a:schemeClr>
-                    </a:solidFill>
-                    <a:latin typeface="Verdana" panose="020B0604030504040204" pitchFamily="34" charset="0"/>
-                    <a:sym typeface="Wingdings" panose="05000000000000000000" pitchFamily="2" charset="2"/>
-                  </a:rPr>
-                  <a:t>MinPts</a:t>
-                </a:r>
-                <a:r>
-                  <a:rPr lang="en-US" b="1" dirty="0" smtClean="0">
-                    <a:solidFill>
-                      <a:schemeClr val="accent3">
-                        <a:lumMod val="50000"/>
-                      </a:schemeClr>
-                    </a:solidFill>
-                    <a:latin typeface="Verdana" panose="020B0604030504040204" pitchFamily="34" charset="0"/>
-                    <a:sym typeface="Wingdings" panose="05000000000000000000" pitchFamily="2" charset="2"/>
-                  </a:rPr>
-                  <a:t> = number of dimensions + 1</a:t>
-                </a:r>
-              </a:p>
-            </p:txBody>
-          </p:sp>
-        </mc:Choice>
-        <mc:Fallback xmlns="">
-          <p:sp>
-            <p:nvSpPr>
-              <p:cNvPr id="4" name="Rechteck 3"/>
-              <p:cNvSpPr>
-                <a:spLocks noRot="1" noChangeAspect="1" noMove="1" noResize="1" noEditPoints="1" noAdjustHandles="1" noChangeArrowheads="1" noChangeShapeType="1" noTextEdit="1"/>
-              </p:cNvSpPr>
-              <p:nvPr/>
-            </p:nvSpPr>
-            <p:spPr>
-              <a:xfrm>
-                <a:off x="479376" y="1275509"/>
-                <a:ext cx="11593288" cy="5234190"/>
-              </a:xfrm>
-              <a:prstGeom prst="rect">
-                <a:avLst/>
-              </a:prstGeom>
-              <a:blipFill>
-                <a:blip r:embed="rId2"/>
-                <a:stretch>
-                  <a:fillRect l="-473" t="-582" b="-931"/>
-                </a:stretch>
-              </a:blipFill>
-            </p:spPr>
-            <p:txBody>
-              <a:bodyPr/>
-              <a:lstStyle/>
-              <a:p>
-                <a:r>
-                  <a:rPr lang="en-US">
-                    <a:noFill/>
-                  </a:rPr>
-                  <a:t> </a:t>
-                </a:r>
-              </a:p>
-            </p:txBody>
-          </p:sp>
-        </mc:Fallback>
-      </mc:AlternateContent>
-    </p:spTree>
-    <p:extLst>
-      <p:ext uri="{BB962C8B-B14F-4D97-AF65-F5344CB8AC3E}">
-        <p14:creationId xmlns:p14="http://schemas.microsoft.com/office/powerpoint/2010/main" val="3852819394"/>
-      </p:ext>
-    </p:extLst>
-  </p:cSld>
-  <p:clrMapOvr>
-    <a:masterClrMapping/>
-  </p:clrMapOvr>
-  <mc:AlternateContent xmlns:mc="http://schemas.openxmlformats.org/markup-compatibility/2006" xmlns:p14="http://schemas.microsoft.com/office/powerpoint/2010/main">
-    <mc:Choice Requires="p14">
-      <p:transition p14:dur="0"/>
-    </mc:Choice>
-    <mc:Fallback xmlns="">
-      <p:transition/>
-    </mc:Fallback>
-  </mc:AlternateContent>
-  <p:timing>
-    <p:tnLst>
-      <p:par>
-        <p:cTn id="1" dur="indefinite" restart="never" nodeType="tmRoot"/>
-      </p:par>
-    </p:tnLst>
-  </p:timing>
-</p:sld>
-</file>
-
-<file path=ppt/slides/slide29.xml><?xml version="1.0" encoding="utf-8"?>
-<p:sld xmlns:a="http://schemas.openxmlformats.org/drawingml/2006/main" xmlns:r="http://schemas.openxmlformats.org/officeDocument/2006/relationships" xmlns:p="http://schemas.openxmlformats.org/presentationml/2006/main" show="0">
-  <p:cSld>
-    <p:spTree>
-      <p:nvGrpSpPr>
-        <p:cNvPr id="1" name=""/>
-        <p:cNvGrpSpPr/>
-        <p:nvPr/>
-      </p:nvGrpSpPr>
-      <p:grpSpPr>
-        <a:xfrm>
-          <a:off x="0" y="0"/>
-          <a:ext cx="0" cy="0"/>
-          <a:chOff x="0" y="0"/>
-          <a:chExt cx="0" cy="0"/>
-        </a:xfrm>
-      </p:grpSpPr>
-      <p:pic>
-        <p:nvPicPr>
-          <p:cNvPr id="4" name="Grafik 3"/>
-          <p:cNvPicPr>
-            <a:picLocks noChangeAspect="1"/>
-          </p:cNvPicPr>
-          <p:nvPr/>
-        </p:nvPicPr>
-        <p:blipFill rotWithShape="1">
-          <a:blip r:embed="rId2"/>
-          <a:srcRect l="693" r="1" b="22338"/>
-          <a:stretch/>
-        </p:blipFill>
-        <p:spPr>
-          <a:xfrm>
-            <a:off x="1055440" y="620688"/>
-            <a:ext cx="10297144" cy="5400600"/>
-          </a:xfrm>
-          <a:prstGeom prst="rect">
-            <a:avLst/>
-          </a:prstGeom>
-        </p:spPr>
-      </p:pic>
-      <p:sp>
-        <p:nvSpPr>
-          <p:cNvPr id="11" name="Textfeld 10"/>
-          <p:cNvSpPr txBox="1"/>
-          <p:nvPr/>
-        </p:nvSpPr>
-        <p:spPr bwMode="auto">
-          <a:xfrm>
-            <a:off x="4655840" y="6165304"/>
-            <a:ext cx="6497291" cy="253916"/>
-          </a:xfrm>
-          <a:prstGeom prst="rect">
-            <a:avLst/>
-          </a:prstGeom>
-          <a:noFill/>
-          <a:ln>
-            <a:noFill/>
-          </a:ln>
-          <a:effectLst/>
-          <a:extLst/>
-        </p:spPr>
-        <p:txBody>
-          <a:bodyPr wrap="none" rtlCol="0">
-            <a:spAutoFit/>
-          </a:bodyPr>
-          <a:lstStyle/>
-          <a:p>
-            <a:pPr eaLnBrk="1" hangingPunct="1">
-              <a:spcAft>
-                <a:spcPts val="300"/>
-              </a:spcAft>
-            </a:pPr>
-            <a:r>
-              <a:rPr lang="en-US" sz="1050" dirty="0">
-                <a:latin typeface="+mn-lt"/>
-                <a:hlinkClick r:id="rId3"/>
-              </a:rPr>
-              <a:t>https://www.uni-trier.de/fileadmin/fb6/fb6/stu/bac/AGI/Modulplan_MSc_AGI_Stand2016.pdf</a:t>
-            </a:r>
-            <a:endParaRPr lang="en-US" sz="1050" dirty="0" smtClean="0">
-              <a:solidFill>
-                <a:srgbClr val="214B7E"/>
-              </a:solidFill>
-              <a:latin typeface="+mn-lt"/>
-            </a:endParaRPr>
-          </a:p>
-        </p:txBody>
-      </p:sp>
-    </p:spTree>
-    <p:extLst>
-      <p:ext uri="{BB962C8B-B14F-4D97-AF65-F5344CB8AC3E}">
-        <p14:creationId xmlns:p14="http://schemas.microsoft.com/office/powerpoint/2010/main" val="1115773425"/>
-      </p:ext>
-    </p:extLst>
-  </p:cSld>
-  <p:clrMapOvr>
-    <a:masterClrMapping/>
-  </p:clrMapOvr>
-  <mc:AlternateContent xmlns:mc="http://schemas.openxmlformats.org/markup-compatibility/2006" xmlns:p14="http://schemas.microsoft.com/office/powerpoint/2010/main">
-    <mc:Choice Requires="p14">
-      <p:transition p14:dur="0"/>
-    </mc:Choice>
-    <mc:Fallback xmlns="">
-      <p:transition/>
-    </mc:Fallback>
-  </mc:AlternateContent>
-  <p:timing>
-    <p:tnLst>
-      <p:par>
-        <p:cTn id="1" dur="indefinite" restart="never" nodeType="tmRoot"/>
-      </p:par>
-    </p:tnLst>
-  </p:timing>
-</p:sld>
-</file>
-
 <file path=ppt/slides/slide3.xml><?xml version="1.0" encoding="utf-8"?>
 <p:sld xmlns:a="http://schemas.openxmlformats.org/drawingml/2006/main" xmlns:r="http://schemas.openxmlformats.org/officeDocument/2006/relationships" xmlns:p="http://schemas.openxmlformats.org/presentationml/2006/main">
   <p:cSld>
@@ -22367,706 +20496,6 @@
     <p:extLst>
       <p:ext uri="{BB962C8B-B14F-4D97-AF65-F5344CB8AC3E}">
         <p14:creationId xmlns:p14="http://schemas.microsoft.com/office/powerpoint/2010/main" val="595776684"/>
-      </p:ext>
-    </p:extLst>
-  </p:cSld>
-  <p:clrMapOvr>
-    <a:masterClrMapping/>
-  </p:clrMapOvr>
-  <mc:AlternateContent xmlns:mc="http://schemas.openxmlformats.org/markup-compatibility/2006" xmlns:p14="http://schemas.microsoft.com/office/powerpoint/2010/main">
-    <mc:Choice Requires="p14">
-      <p:transition p14:dur="0"/>
-    </mc:Choice>
-    <mc:Fallback xmlns="">
-      <p:transition/>
-    </mc:Fallback>
-  </mc:AlternateContent>
-  <p:timing>
-    <p:tnLst>
-      <p:par>
-        <p:cTn id="1" dur="indefinite" restart="never" nodeType="tmRoot"/>
-      </p:par>
-    </p:tnLst>
-  </p:timing>
-</p:sld>
-</file>
-
-<file path=ppt/slides/slide30.xml><?xml version="1.0" encoding="utf-8"?>
-<p:sld xmlns:a="http://schemas.openxmlformats.org/drawingml/2006/main" xmlns:r="http://schemas.openxmlformats.org/officeDocument/2006/relationships" xmlns:p="http://schemas.openxmlformats.org/presentationml/2006/main" show="0">
-  <p:cSld>
-    <p:spTree>
-      <p:nvGrpSpPr>
-        <p:cNvPr id="1" name=""/>
-        <p:cNvGrpSpPr/>
-        <p:nvPr/>
-      </p:nvGrpSpPr>
-      <p:grpSpPr>
-        <a:xfrm>
-          <a:off x="0" y="0"/>
-          <a:ext cx="0" cy="0"/>
-          <a:chOff x="0" y="0"/>
-          <a:chExt cx="0" cy="0"/>
-        </a:xfrm>
-      </p:grpSpPr>
-      <p:pic>
-        <p:nvPicPr>
-          <p:cNvPr id="3" name="Grafik 2"/>
-          <p:cNvPicPr>
-            <a:picLocks noChangeAspect="1"/>
-          </p:cNvPicPr>
-          <p:nvPr/>
-        </p:nvPicPr>
-        <p:blipFill rotWithShape="1">
-          <a:blip r:embed="rId2"/>
-          <a:srcRect l="695" r="74305" b="22338"/>
-          <a:stretch/>
-        </p:blipFill>
-        <p:spPr>
-          <a:xfrm>
-            <a:off x="1055440" y="620688"/>
-            <a:ext cx="2592288" cy="5400600"/>
-          </a:xfrm>
-          <a:prstGeom prst="rect">
-            <a:avLst/>
-          </a:prstGeom>
-        </p:spPr>
-      </p:pic>
-      <p:pic>
-        <p:nvPicPr>
-          <p:cNvPr id="4" name="Grafik 3"/>
-          <p:cNvPicPr>
-            <a:picLocks noChangeAspect="1"/>
-          </p:cNvPicPr>
-          <p:nvPr/>
-        </p:nvPicPr>
-        <p:blipFill rotWithShape="1">
-          <a:blip r:embed="rId2"/>
-          <a:srcRect l="13195" t="17603" r="61805" b="77219"/>
-          <a:stretch/>
-        </p:blipFill>
-        <p:spPr>
-          <a:xfrm>
-            <a:off x="1199456" y="1844824"/>
-            <a:ext cx="2592288" cy="360040"/>
-          </a:xfrm>
-          <a:prstGeom prst="rect">
-            <a:avLst/>
-          </a:prstGeom>
-        </p:spPr>
-      </p:pic>
-      <p:sp>
-        <p:nvSpPr>
-          <p:cNvPr id="7" name="Rechteck 6"/>
-          <p:cNvSpPr/>
-          <p:nvPr/>
-        </p:nvSpPr>
-        <p:spPr>
-          <a:xfrm>
-            <a:off x="4859803" y="2852936"/>
-            <a:ext cx="6480000" cy="369332"/>
-          </a:xfrm>
-          <a:prstGeom prst="rect">
-            <a:avLst/>
-          </a:prstGeom>
-        </p:spPr>
-        <p:txBody>
-          <a:bodyPr>
-            <a:spAutoFit/>
-          </a:bodyPr>
-          <a:lstStyle/>
-          <a:p>
-            <a:r>
-              <a:rPr lang="en-US" dirty="0">
-                <a:solidFill>
-                  <a:srgbClr val="224374"/>
-                </a:solidFill>
-                <a:latin typeface="+mn-lt"/>
-              </a:rPr>
-              <a:t>Knowledge of </a:t>
-            </a:r>
-            <a:r>
-              <a:rPr lang="en-US" dirty="0" smtClean="0">
-                <a:solidFill>
-                  <a:srgbClr val="224374"/>
-                </a:solidFill>
-                <a:latin typeface="+mn-lt"/>
-              </a:rPr>
-              <a:t>multivariate data and statistics</a:t>
-            </a:r>
-            <a:endParaRPr lang="en-US" dirty="0">
-              <a:solidFill>
-                <a:srgbClr val="224374"/>
-              </a:solidFill>
-              <a:latin typeface="+mn-lt"/>
-            </a:endParaRPr>
-          </a:p>
-        </p:txBody>
-      </p:sp>
-      <p:sp>
-        <p:nvSpPr>
-          <p:cNvPr id="8" name="Textfeld 7"/>
-          <p:cNvSpPr txBox="1"/>
-          <p:nvPr/>
-        </p:nvSpPr>
-        <p:spPr bwMode="auto">
-          <a:xfrm>
-            <a:off x="4860000" y="2060848"/>
-            <a:ext cx="4615366" cy="369332"/>
-          </a:xfrm>
-          <a:prstGeom prst="rect">
-            <a:avLst/>
-          </a:prstGeom>
-          <a:noFill/>
-          <a:ln>
-            <a:noFill/>
-          </a:ln>
-          <a:effectLst/>
-          <a:extLst/>
-        </p:spPr>
-        <p:txBody>
-          <a:bodyPr wrap="none" rtlCol="0">
-            <a:spAutoFit/>
-          </a:bodyPr>
-          <a:lstStyle/>
-          <a:p>
-            <a:pPr eaLnBrk="1" hangingPunct="1">
-              <a:spcAft>
-                <a:spcPts val="300"/>
-              </a:spcAft>
-            </a:pPr>
-            <a:r>
-              <a:rPr lang="en-US" dirty="0" smtClean="0">
-                <a:solidFill>
-                  <a:srgbClr val="214B7E"/>
-                </a:solidFill>
-                <a:latin typeface="+mn-lt"/>
-              </a:rPr>
-              <a:t>Knowledge </a:t>
-            </a:r>
-            <a:r>
-              <a:rPr lang="en-US" dirty="0">
-                <a:solidFill>
-                  <a:srgbClr val="214B7E"/>
-                </a:solidFill>
-                <a:latin typeface="+mn-lt"/>
-              </a:rPr>
-              <a:t>of geospatial data </a:t>
-            </a:r>
-            <a:r>
-              <a:rPr lang="en-US" dirty="0" smtClean="0">
-                <a:solidFill>
-                  <a:srgbClr val="214B7E"/>
-                </a:solidFill>
-                <a:latin typeface="+mn-lt"/>
-              </a:rPr>
-              <a:t>analysis</a:t>
-            </a:r>
-            <a:endParaRPr lang="en-US" dirty="0">
-              <a:solidFill>
-                <a:srgbClr val="214B7E"/>
-              </a:solidFill>
-              <a:latin typeface="+mn-lt"/>
-            </a:endParaRPr>
-          </a:p>
-        </p:txBody>
-      </p:sp>
-      <p:sp>
-        <p:nvSpPr>
-          <p:cNvPr id="11" name="Rechteck 10"/>
-          <p:cNvSpPr/>
-          <p:nvPr/>
-        </p:nvSpPr>
-        <p:spPr>
-          <a:xfrm>
-            <a:off x="3420000" y="2204864"/>
-            <a:ext cx="156390" cy="832250"/>
-          </a:xfrm>
-          <a:prstGeom prst="rect">
-            <a:avLst/>
-          </a:prstGeom>
-          <a:noFill/>
-          <a:ln>
-            <a:noFill/>
-          </a:ln>
-        </p:spPr>
-        <p:style>
-          <a:lnRef idx="2">
-            <a:schemeClr val="accent1">
-              <a:shade val="50000"/>
-            </a:schemeClr>
-          </a:lnRef>
-          <a:fillRef idx="1">
-            <a:schemeClr val="accent1"/>
-          </a:fillRef>
-          <a:effectRef idx="0">
-            <a:schemeClr val="accent1"/>
-          </a:effectRef>
-          <a:fontRef idx="minor">
-            <a:schemeClr val="lt1"/>
-          </a:fontRef>
-        </p:style>
-        <p:txBody>
-          <a:bodyPr rtlCol="0" anchor="ctr"/>
-          <a:lstStyle/>
-          <a:p>
-            <a:pPr algn="ctr"/>
-            <a:endParaRPr lang="en-US" dirty="0"/>
-          </a:p>
-        </p:txBody>
-      </p:sp>
-      <p:sp>
-        <p:nvSpPr>
-          <p:cNvPr id="13" name="Rechteck 12"/>
-          <p:cNvSpPr/>
-          <p:nvPr/>
-        </p:nvSpPr>
-        <p:spPr>
-          <a:xfrm>
-            <a:off x="3419330" y="5117030"/>
-            <a:ext cx="156390" cy="832250"/>
-          </a:xfrm>
-          <a:prstGeom prst="rect">
-            <a:avLst/>
-          </a:prstGeom>
-          <a:noFill/>
-          <a:ln>
-            <a:noFill/>
-          </a:ln>
-        </p:spPr>
-        <p:style>
-          <a:lnRef idx="2">
-            <a:schemeClr val="accent1">
-              <a:shade val="50000"/>
-            </a:schemeClr>
-          </a:lnRef>
-          <a:fillRef idx="1">
-            <a:schemeClr val="accent1"/>
-          </a:fillRef>
-          <a:effectRef idx="0">
-            <a:schemeClr val="accent1"/>
-          </a:effectRef>
-          <a:fontRef idx="minor">
-            <a:schemeClr val="lt1"/>
-          </a:fontRef>
-        </p:style>
-        <p:txBody>
-          <a:bodyPr rtlCol="0" anchor="ctr"/>
-          <a:lstStyle/>
-          <a:p>
-            <a:pPr algn="ctr"/>
-            <a:endParaRPr lang="en-US" dirty="0"/>
-          </a:p>
-        </p:txBody>
-      </p:sp>
-      <p:sp>
-        <p:nvSpPr>
-          <p:cNvPr id="14" name="Rechteck 13"/>
-          <p:cNvSpPr/>
-          <p:nvPr/>
-        </p:nvSpPr>
-        <p:spPr>
-          <a:xfrm>
-            <a:off x="4860000" y="4941168"/>
-            <a:ext cx="4897495" cy="646331"/>
-          </a:xfrm>
-          <a:prstGeom prst="rect">
-            <a:avLst/>
-          </a:prstGeom>
-        </p:spPr>
-        <p:txBody>
-          <a:bodyPr wrap="none">
-            <a:spAutoFit/>
-          </a:bodyPr>
-          <a:lstStyle/>
-          <a:p>
-            <a:endParaRPr lang="en-US" dirty="0" smtClean="0">
-              <a:solidFill>
-                <a:srgbClr val="224374"/>
-              </a:solidFill>
-              <a:latin typeface="+mn-lt"/>
-            </a:endParaRPr>
-          </a:p>
-          <a:p>
-            <a:r>
-              <a:rPr lang="en-US" dirty="0" smtClean="0">
-                <a:solidFill>
-                  <a:srgbClr val="224374"/>
-                </a:solidFill>
-                <a:latin typeface="+mn-lt"/>
-              </a:rPr>
-              <a:t>Cluster analysis, concept and algorithms</a:t>
-            </a:r>
-            <a:endParaRPr lang="en-US" dirty="0">
-              <a:solidFill>
-                <a:srgbClr val="224374"/>
-              </a:solidFill>
-              <a:latin typeface="+mn-lt"/>
-            </a:endParaRPr>
-          </a:p>
-        </p:txBody>
-      </p:sp>
-      <p:sp>
-        <p:nvSpPr>
-          <p:cNvPr id="15" name="Textfeld 14"/>
-          <p:cNvSpPr txBox="1"/>
-          <p:nvPr/>
-        </p:nvSpPr>
-        <p:spPr bwMode="auto">
-          <a:xfrm>
-            <a:off x="4864608" y="4174496"/>
-            <a:ext cx="6180104" cy="369332"/>
-          </a:xfrm>
-          <a:prstGeom prst="rect">
-            <a:avLst/>
-          </a:prstGeom>
-          <a:noFill/>
-          <a:ln>
-            <a:noFill/>
-          </a:ln>
-          <a:effectLst/>
-          <a:extLst/>
-        </p:spPr>
-        <p:txBody>
-          <a:bodyPr wrap="square" rtlCol="0">
-            <a:spAutoFit/>
-          </a:bodyPr>
-          <a:lstStyle/>
-          <a:p>
-            <a:pPr eaLnBrk="1" hangingPunct="1">
-              <a:spcAft>
-                <a:spcPts val="300"/>
-              </a:spcAft>
-            </a:pPr>
-            <a:r>
-              <a:rPr lang="en-US" dirty="0">
-                <a:solidFill>
-                  <a:srgbClr val="224374"/>
-                </a:solidFill>
-                <a:latin typeface="+mn-lt"/>
-              </a:rPr>
-              <a:t>some </a:t>
-            </a:r>
-            <a:r>
-              <a:rPr lang="en-US" i="1" dirty="0">
-                <a:solidFill>
-                  <a:srgbClr val="224374"/>
-                </a:solidFill>
-                <a:latin typeface="+mn-lt"/>
-              </a:rPr>
-              <a:t>R</a:t>
-            </a:r>
-            <a:r>
-              <a:rPr lang="en-US" dirty="0">
-                <a:solidFill>
-                  <a:srgbClr val="224374"/>
-                </a:solidFill>
-                <a:latin typeface="+mn-lt"/>
-              </a:rPr>
-              <a:t> </a:t>
-            </a:r>
-            <a:r>
-              <a:rPr lang="en-US" dirty="0" smtClean="0">
-                <a:solidFill>
-                  <a:srgbClr val="224374"/>
-                </a:solidFill>
-                <a:latin typeface="+mn-lt"/>
-              </a:rPr>
-              <a:t>skills</a:t>
-            </a:r>
-            <a:endParaRPr lang="en-US" dirty="0">
-              <a:solidFill>
-                <a:srgbClr val="224374"/>
-              </a:solidFill>
-              <a:latin typeface="+mn-lt"/>
-            </a:endParaRPr>
-          </a:p>
-        </p:txBody>
-      </p:sp>
-      <p:cxnSp>
-        <p:nvCxnSpPr>
-          <p:cNvPr id="17" name="Gewinkelter Verbinder 16"/>
-          <p:cNvCxnSpPr>
-            <a:stCxn id="11" idx="3"/>
-            <a:endCxn id="8" idx="1"/>
-          </p:cNvCxnSpPr>
-          <p:nvPr/>
-        </p:nvCxnSpPr>
-        <p:spPr>
-          <a:xfrm flipV="1">
-            <a:off x="3576390" y="2245514"/>
-            <a:ext cx="1283610" cy="375475"/>
-          </a:xfrm>
-          <a:prstGeom prst="bentConnector3">
-            <a:avLst>
-              <a:gd name="adj1" fmla="val 50000"/>
-            </a:avLst>
-          </a:prstGeom>
-          <a:ln w="53975">
-            <a:tailEnd type="triangle"/>
-          </a:ln>
-        </p:spPr>
-        <p:style>
-          <a:lnRef idx="1">
-            <a:schemeClr val="accent1"/>
-          </a:lnRef>
-          <a:fillRef idx="0">
-            <a:schemeClr val="accent1"/>
-          </a:fillRef>
-          <a:effectRef idx="0">
-            <a:schemeClr val="accent1"/>
-          </a:effectRef>
-          <a:fontRef idx="minor">
-            <a:schemeClr val="tx1"/>
-          </a:fontRef>
-        </p:style>
-      </p:cxnSp>
-      <p:cxnSp>
-        <p:nvCxnSpPr>
-          <p:cNvPr id="20" name="Gewinkelter Verbinder 19"/>
-          <p:cNvCxnSpPr>
-            <a:stCxn id="22" idx="3"/>
-            <a:endCxn id="7" idx="1"/>
-          </p:cNvCxnSpPr>
-          <p:nvPr/>
-        </p:nvCxnSpPr>
-        <p:spPr>
-          <a:xfrm flipV="1">
-            <a:off x="3576246" y="3037602"/>
-            <a:ext cx="1283557" cy="578923"/>
-          </a:xfrm>
-          <a:prstGeom prst="bentConnector3">
-            <a:avLst/>
-          </a:prstGeom>
-          <a:ln w="53975">
-            <a:tailEnd type="triangle"/>
-          </a:ln>
-        </p:spPr>
-        <p:style>
-          <a:lnRef idx="1">
-            <a:schemeClr val="accent1"/>
-          </a:lnRef>
-          <a:fillRef idx="0">
-            <a:schemeClr val="accent1"/>
-          </a:fillRef>
-          <a:effectRef idx="0">
-            <a:schemeClr val="accent1"/>
-          </a:effectRef>
-          <a:fontRef idx="minor">
-            <a:schemeClr val="tx1"/>
-          </a:fontRef>
-        </p:style>
-      </p:cxnSp>
-      <p:cxnSp>
-        <p:nvCxnSpPr>
-          <p:cNvPr id="24" name="Gewinkelter Verbinder 23"/>
-          <p:cNvCxnSpPr>
-            <a:stCxn id="13" idx="3"/>
-          </p:cNvCxnSpPr>
-          <p:nvPr/>
-        </p:nvCxnSpPr>
-        <p:spPr>
-          <a:xfrm flipV="1">
-            <a:off x="3575720" y="5517232"/>
-            <a:ext cx="1284083" cy="0"/>
-          </a:xfrm>
-          <a:prstGeom prst="straightConnector1">
-            <a:avLst/>
-          </a:prstGeom>
-          <a:ln w="53975">
-            <a:tailEnd type="triangle"/>
-          </a:ln>
-        </p:spPr>
-        <p:style>
-          <a:lnRef idx="1">
-            <a:schemeClr val="accent1"/>
-          </a:lnRef>
-          <a:fillRef idx="0">
-            <a:schemeClr val="accent1"/>
-          </a:fillRef>
-          <a:effectRef idx="0">
-            <a:schemeClr val="accent1"/>
-          </a:effectRef>
-          <a:fontRef idx="minor">
-            <a:schemeClr val="tx1"/>
-          </a:fontRef>
-        </p:style>
-      </p:cxnSp>
-      <p:cxnSp>
-        <p:nvCxnSpPr>
-          <p:cNvPr id="26" name="Gewinkelter Verbinder 25"/>
-          <p:cNvCxnSpPr>
-            <a:stCxn id="22" idx="3"/>
-            <a:endCxn id="14" idx="1"/>
-          </p:cNvCxnSpPr>
-          <p:nvPr/>
-        </p:nvCxnSpPr>
-        <p:spPr>
-          <a:xfrm>
-            <a:off x="3576246" y="3616525"/>
-            <a:ext cx="1283754" cy="1647809"/>
-          </a:xfrm>
-          <a:prstGeom prst="bentConnector3">
-            <a:avLst>
-              <a:gd name="adj1" fmla="val 50000"/>
-            </a:avLst>
-          </a:prstGeom>
-          <a:ln w="53975">
-            <a:tailEnd type="triangle"/>
-          </a:ln>
-        </p:spPr>
-        <p:style>
-          <a:lnRef idx="1">
-            <a:schemeClr val="accent1"/>
-          </a:lnRef>
-          <a:fillRef idx="0">
-            <a:schemeClr val="accent1"/>
-          </a:fillRef>
-          <a:effectRef idx="0">
-            <a:schemeClr val="accent1"/>
-          </a:effectRef>
-          <a:fontRef idx="minor">
-            <a:schemeClr val="tx1"/>
-          </a:fontRef>
-        </p:style>
-      </p:cxnSp>
-      <p:pic>
-        <p:nvPicPr>
-          <p:cNvPr id="5" name="Grafik 4"/>
-          <p:cNvPicPr>
-            <a:picLocks noChangeAspect="1"/>
-          </p:cNvPicPr>
-          <p:nvPr/>
-        </p:nvPicPr>
-        <p:blipFill rotWithShape="1">
-          <a:blip r:embed="rId2"/>
-          <a:srcRect l="34722" r="40278" b="94822"/>
-          <a:stretch/>
-        </p:blipFill>
-        <p:spPr>
-          <a:xfrm>
-            <a:off x="1055440" y="620688"/>
-            <a:ext cx="2592288" cy="360040"/>
-          </a:xfrm>
-          <a:prstGeom prst="rect">
-            <a:avLst/>
-          </a:prstGeom>
-        </p:spPr>
-      </p:pic>
-      <p:sp>
-        <p:nvSpPr>
-          <p:cNvPr id="34" name="Titel 1"/>
-          <p:cNvSpPr>
-            <a:spLocks noGrp="1"/>
-          </p:cNvSpPr>
-          <p:nvPr>
-            <p:ph type="title"/>
-          </p:nvPr>
-        </p:nvSpPr>
-        <p:spPr>
-          <a:xfrm>
-            <a:off x="5807968" y="543182"/>
-            <a:ext cx="5042992" cy="567835"/>
-          </a:xfrm>
-        </p:spPr>
-        <p:txBody>
-          <a:bodyPr/>
-          <a:lstStyle/>
-          <a:p>
-            <a:r>
-              <a:rPr lang="en-US" noProof="0" dirty="0" smtClean="0">
-                <a:latin typeface="+mn-lt"/>
-              </a:rPr>
-              <a:t>Requirements</a:t>
-            </a:r>
-            <a:endParaRPr lang="en-US" noProof="0" dirty="0">
-              <a:latin typeface="+mn-lt"/>
-            </a:endParaRPr>
-          </a:p>
-        </p:txBody>
-      </p:sp>
-      <p:cxnSp>
-        <p:nvCxnSpPr>
-          <p:cNvPr id="36" name="Gewinkelter Verbinder 35"/>
-          <p:cNvCxnSpPr>
-            <a:stCxn id="22" idx="3"/>
-          </p:cNvCxnSpPr>
-          <p:nvPr/>
-        </p:nvCxnSpPr>
-        <p:spPr>
-          <a:xfrm>
-            <a:off x="3576246" y="3616525"/>
-            <a:ext cx="1283557" cy="748579"/>
-          </a:xfrm>
-          <a:prstGeom prst="bentConnector3">
-            <a:avLst/>
-          </a:prstGeom>
-          <a:ln w="53975">
-            <a:tailEnd type="triangle"/>
-          </a:ln>
-        </p:spPr>
-        <p:style>
-          <a:lnRef idx="1">
-            <a:schemeClr val="accent1"/>
-          </a:lnRef>
-          <a:fillRef idx="0">
-            <a:schemeClr val="accent1"/>
-          </a:fillRef>
-          <a:effectRef idx="0">
-            <a:schemeClr val="accent1"/>
-          </a:effectRef>
-          <a:fontRef idx="minor">
-            <a:schemeClr val="tx1"/>
-          </a:fontRef>
-        </p:style>
-      </p:cxnSp>
-      <p:sp>
-        <p:nvSpPr>
-          <p:cNvPr id="22" name="Rechteck 21"/>
-          <p:cNvSpPr/>
-          <p:nvPr/>
-        </p:nvSpPr>
-        <p:spPr>
-          <a:xfrm>
-            <a:off x="3419856" y="3200400"/>
-            <a:ext cx="156390" cy="832250"/>
-          </a:xfrm>
-          <a:prstGeom prst="rect">
-            <a:avLst/>
-          </a:prstGeom>
-          <a:noFill/>
-          <a:ln>
-            <a:noFill/>
-          </a:ln>
-        </p:spPr>
-        <p:style>
-          <a:lnRef idx="2">
-            <a:schemeClr val="accent1">
-              <a:shade val="50000"/>
-            </a:schemeClr>
-          </a:lnRef>
-          <a:fillRef idx="1">
-            <a:schemeClr val="accent1"/>
-          </a:fillRef>
-          <a:effectRef idx="0">
-            <a:schemeClr val="accent1"/>
-          </a:effectRef>
-          <a:fontRef idx="minor">
-            <a:schemeClr val="lt1"/>
-          </a:fontRef>
-        </p:style>
-        <p:txBody>
-          <a:bodyPr rtlCol="0" anchor="ctr"/>
-          <a:lstStyle/>
-          <a:p>
-            <a:pPr algn="ctr"/>
-            <a:endParaRPr lang="en-US" dirty="0"/>
-          </a:p>
-        </p:txBody>
-      </p:sp>
-    </p:spTree>
-    <p:extLst>
-      <p:ext uri="{BB962C8B-B14F-4D97-AF65-F5344CB8AC3E}">
-        <p14:creationId xmlns:p14="http://schemas.microsoft.com/office/powerpoint/2010/main" val="3614313617"/>
       </p:ext>
     </p:extLst>
   </p:cSld>
@@ -24079,23 +21508,8 @@
                 </a:solidFill>
                 <a:latin typeface="Verdana" panose="020B0604030504040204" pitchFamily="34" charset="0"/>
               </a:rPr>
-              <a:t>   non-spatial value</a:t>
-            </a:r>
-            <a:r>
-              <a:rPr lang="en-US" dirty="0" smtClean="0">
-                <a:solidFill>
-                  <a:srgbClr val="214B7E"/>
-                </a:solidFill>
-                <a:latin typeface="Verdana" panose="020B0604030504040204" pitchFamily="34" charset="0"/>
-              </a:rPr>
-              <a:t>&gt;</a:t>
-            </a:r>
-            <a:endParaRPr lang="en-US" dirty="0" smtClean="0">
-              <a:solidFill>
-                <a:srgbClr val="214B7E"/>
-              </a:solidFill>
-              <a:latin typeface="Verdana" panose="020B0604030504040204" pitchFamily="34" charset="0"/>
-            </a:endParaRPr>
+              <a:t>   non-spatial value&gt;</a:t>
+            </a:r>
           </a:p>
         </p:txBody>
       </p:sp>
